--- a/VoronoiPrezentacja.pptx
+++ b/VoronoiPrezentacja.pptx
@@ -13,6 +13,7 @@
     <p:sldId id="261" r:id="rId7"/>
     <p:sldId id="262" r:id="rId8"/>
     <p:sldId id="263" r:id="rId9"/>
+    <p:sldId id="264" r:id="rId10"/>
   </p:sldIdLst>
   <p:sldSz cx="12192000" cy="6858000"/>
   <p:notesSz cx="6858000" cy="9144000"/>
@@ -111,6 +112,11 @@
       </a:defRPr>
     </a:lvl9pPr>
   </p:defaultTextStyle>
+  <p:extLst>
+    <p:ext uri="{EFAFB233-063F-42B5-8137-9DF3F51BA10A}">
+      <p15:sldGuideLst xmlns:p15="http://schemas.microsoft.com/office/powerpoint/2012/main"/>
+    </p:ext>
+  </p:extLst>
 </p:presentation>
 </file>
 
@@ -6632,6 +6638,77 @@
 </p:sld>
 </file>
 
+<file path=ppt/slides/slide9.xml><?xml version="1.0" encoding="utf-8"?>
+<p:sld xmlns:a="http://schemas.openxmlformats.org/drawingml/2006/main" xmlns:r="http://schemas.openxmlformats.org/officeDocument/2006/relationships" xmlns:p="http://schemas.openxmlformats.org/presentationml/2006/main">
+  <p:cSld>
+    <p:spTree>
+      <p:nvGrpSpPr>
+        <p:cNvPr id="1" name=""/>
+        <p:cNvGrpSpPr/>
+        <p:nvPr/>
+      </p:nvGrpSpPr>
+      <p:grpSpPr>
+        <a:xfrm>
+          <a:off x="0" y="0"/>
+          <a:ext cx="0" cy="0"/>
+          <a:chOff x="0" y="0"/>
+          <a:chExt cx="0" cy="0"/>
+        </a:xfrm>
+      </p:grpSpPr>
+      <p:sp>
+        <p:nvSpPr>
+          <p:cNvPr id="2" name="Tytuł 1"/>
+          <p:cNvSpPr>
+            <a:spLocks noGrp="1"/>
+          </p:cNvSpPr>
+          <p:nvPr>
+            <p:ph type="title"/>
+          </p:nvPr>
+        </p:nvSpPr>
+        <p:spPr/>
+        <p:txBody>
+          <a:bodyPr/>
+          <a:lstStyle/>
+          <a:p>
+            <a:r>
+              <a:rPr lang="pl-PL" dirty="0"/>
+              <a:t>Opis Funkcji głównych programu</a:t>
+            </a:r>
+          </a:p>
+        </p:txBody>
+      </p:sp>
+      <p:sp>
+        <p:nvSpPr>
+          <p:cNvPr id="3" name="Symbol zastępczy zawartości 2"/>
+          <p:cNvSpPr>
+            <a:spLocks noGrp="1"/>
+          </p:cNvSpPr>
+          <p:nvPr>
+            <p:ph idx="1"/>
+          </p:nvPr>
+        </p:nvSpPr>
+        <p:spPr/>
+        <p:txBody>
+          <a:bodyPr/>
+          <a:lstStyle/>
+          <a:p>
+            <a:endParaRPr lang="pl-PL"/>
+          </a:p>
+        </p:txBody>
+      </p:sp>
+    </p:spTree>
+    <p:extLst>
+      <p:ext uri="{BB962C8B-B14F-4D97-AF65-F5344CB8AC3E}">
+        <p14:creationId xmlns:p14="http://schemas.microsoft.com/office/powerpoint/2010/main" val="1670561688"/>
+      </p:ext>
+    </p:extLst>
+  </p:cSld>
+  <p:clrMapOvr>
+    <a:masterClrMapping/>
+  </p:clrMapOvr>
+</p:sld>
+</file>
+
 <file path=ppt/theme/theme1.xml><?xml version="1.0" encoding="utf-8"?>
 <a:theme xmlns:a="http://schemas.openxmlformats.org/drawingml/2006/main" name="Siatka">
   <a:themeElements>

--- a/VoronoiPrezentacja.pptx
+++ b/VoronoiPrezentacja.pptx
@@ -14,6 +14,10 @@
     <p:sldId id="262" r:id="rId8"/>
     <p:sldId id="263" r:id="rId9"/>
     <p:sldId id="264" r:id="rId10"/>
+    <p:sldId id="265" r:id="rId11"/>
+    <p:sldId id="266" r:id="rId12"/>
+    <p:sldId id="267" r:id="rId13"/>
+    <p:sldId id="268" r:id="rId14"/>
   </p:sldIdLst>
   <p:sldSz cx="12192000" cy="6858000"/>
   <p:notesSz cx="6858000" cy="9144000"/>
@@ -5748,6 +5752,559 @@
 </p:sld>
 </file>
 
+<file path=ppt/slides/slide10.xml><?xml version="1.0" encoding="utf-8"?>
+<p:sld xmlns:a="http://schemas.openxmlformats.org/drawingml/2006/main" xmlns:r="http://schemas.openxmlformats.org/officeDocument/2006/relationships" xmlns:p="http://schemas.openxmlformats.org/presentationml/2006/main">
+  <p:cSld>
+    <p:spTree>
+      <p:nvGrpSpPr>
+        <p:cNvPr id="1" name=""/>
+        <p:cNvGrpSpPr/>
+        <p:nvPr/>
+      </p:nvGrpSpPr>
+      <p:grpSpPr>
+        <a:xfrm>
+          <a:off x="0" y="0"/>
+          <a:ext cx="0" cy="0"/>
+          <a:chOff x="0" y="0"/>
+          <a:chExt cx="0" cy="0"/>
+        </a:xfrm>
+      </p:grpSpPr>
+      <p:sp>
+        <p:nvSpPr>
+          <p:cNvPr id="2" name="Tytuł 1"/>
+          <p:cNvSpPr>
+            <a:spLocks noGrp="1"/>
+          </p:cNvSpPr>
+          <p:nvPr>
+            <p:ph type="title"/>
+          </p:nvPr>
+        </p:nvSpPr>
+        <p:spPr/>
+        <p:txBody>
+          <a:bodyPr/>
+          <a:lstStyle/>
+          <a:p>
+            <a:r>
+              <a:rPr lang="pl-PL" dirty="0"/>
+              <a:t>Krótki opis pozostałych funkcji </a:t>
+            </a:r>
+            <a:r>
+              <a:rPr lang="pl-PL" dirty="0" smtClean="0"/>
+              <a:t>programu</a:t>
+            </a:r>
+            <a:endParaRPr lang="pl-PL" dirty="0"/>
+          </a:p>
+        </p:txBody>
+      </p:sp>
+      <p:sp>
+        <p:nvSpPr>
+          <p:cNvPr id="3" name="Symbol zastępczy zawartości 2"/>
+          <p:cNvSpPr>
+            <a:spLocks noGrp="1"/>
+          </p:cNvSpPr>
+          <p:nvPr>
+            <p:ph idx="1"/>
+          </p:nvPr>
+        </p:nvSpPr>
+        <p:spPr>
+          <a:xfrm>
+            <a:off x="1141413" y="2094807"/>
+            <a:ext cx="9905998" cy="4621877"/>
+          </a:xfrm>
+        </p:spPr>
+        <p:txBody>
+          <a:bodyPr>
+            <a:normAutofit/>
+          </a:bodyPr>
+          <a:lstStyle/>
+          <a:p>
+            <a:pPr lvl="0"/>
+            <a:r>
+              <a:rPr lang="pl-PL" dirty="0" smtClean="0"/>
+              <a:t> Z pliku VoronoiCalculator</a:t>
+            </a:r>
+          </a:p>
+          <a:p>
+            <a:pPr lvl="1">
+              <a:buFont typeface="Courier New" panose="02070309020205020404" pitchFamily="49" charset="0"/>
+              <a:buChar char="o"/>
+            </a:pPr>
+            <a:r>
+              <a:rPr lang="pl-PL" sz="1500" dirty="0" smtClean="0"/>
+              <a:t>_</a:t>
+            </a:r>
+            <a:r>
+              <a:rPr lang="pl-PL" sz="1500" dirty="0" err="1"/>
+              <a:t>intersection_to_event</a:t>
+            </a:r>
+            <a:r>
+              <a:rPr lang="pl-PL" sz="1500" dirty="0"/>
+              <a:t> - Dodaje przewidywany punkt przecięcia do listy </a:t>
+            </a:r>
+            <a:r>
+              <a:rPr lang="pl-PL" sz="1500" dirty="0"/>
+              <a:t>eventów</a:t>
+            </a:r>
+          </a:p>
+          <a:p>
+            <a:pPr lvl="1">
+              <a:buFont typeface="Courier New" panose="02070309020205020404" pitchFamily="49" charset="0"/>
+              <a:buChar char="o"/>
+            </a:pPr>
+            <a:r>
+              <a:rPr lang="pl-PL" sz="1500" dirty="0"/>
+              <a:t>_</a:t>
+            </a:r>
+            <a:r>
+              <a:rPr lang="pl-PL" sz="1500" dirty="0" err="1"/>
+              <a:t>process_cell</a:t>
+            </a:r>
+            <a:r>
+              <a:rPr lang="pl-PL" sz="1500" dirty="0"/>
+              <a:t> </a:t>
+            </a:r>
+            <a:r>
+              <a:rPr lang="pl-PL" sz="1500" dirty="0"/>
+              <a:t>-</a:t>
+            </a:r>
+            <a:r>
+              <a:rPr lang="pl-PL" sz="1500" dirty="0"/>
+              <a:t>przetwarza eventy będące środkami komórek. </a:t>
+            </a:r>
+            <a:r>
+              <a:rPr lang="pl-PL" sz="1500" dirty="0"/>
+              <a:t>Dodaje komórkę do struktury przechowywującej aktywne komórki i szuka  </a:t>
+            </a:r>
+            <a:r>
+              <a:rPr lang="pl-PL" sz="1500" dirty="0"/>
+              <a:t>s</a:t>
+            </a:r>
+            <a:r>
+              <a:rPr lang="pl-PL" sz="1500" dirty="0" smtClean="0"/>
+              <a:t>ymetralnych </a:t>
+            </a:r>
+            <a:r>
+              <a:rPr lang="pl-PL" sz="1500" dirty="0"/>
+              <a:t>oraz ewentualnych punktów przecięcia</a:t>
+            </a:r>
+            <a:r>
+              <a:rPr lang="pl-PL" sz="1500" dirty="0" smtClean="0"/>
+              <a:t>.</a:t>
+            </a:r>
+          </a:p>
+          <a:p>
+            <a:pPr lvl="1">
+              <a:buFont typeface="Courier New" panose="02070309020205020404" pitchFamily="49" charset="0"/>
+              <a:buChar char="o"/>
+            </a:pPr>
+            <a:r>
+              <a:rPr lang="pl-PL" sz="1500" dirty="0"/>
+              <a:t>_</a:t>
+            </a:r>
+            <a:r>
+              <a:rPr lang="pl-PL" sz="1500" dirty="0" err="1"/>
+              <a:t>process_intersection</a:t>
+            </a:r>
+            <a:r>
+              <a:rPr lang="pl-PL" sz="1500" dirty="0"/>
+              <a:t> -  przetwarza eventy będące punktami przecięcia. Jeżeli jakaś komórka przestaje być aktywna usuwa ją ze struktury aktywnych komórek. Szuka ewentualnych punktów przecięcia.</a:t>
+            </a:r>
+          </a:p>
+          <a:p>
+            <a:pPr lvl="1">
+              <a:buFont typeface="Courier New" panose="02070309020205020404" pitchFamily="49" charset="0"/>
+              <a:buChar char="o"/>
+            </a:pPr>
+            <a:r>
+              <a:rPr lang="pl-PL" sz="1500" dirty="0"/>
+              <a:t>_</a:t>
+            </a:r>
+            <a:r>
+              <a:rPr lang="pl-PL" sz="1500" dirty="0" err="1"/>
+              <a:t>process_bend</a:t>
+            </a:r>
+            <a:r>
+              <a:rPr lang="pl-PL" sz="1500" dirty="0"/>
+              <a:t> -  przetwarza eventy będące zgięciami linii. Funkcja dodaje początkowy kawałek linii do diagramu Voronoi i szuka punktu przecięcia.</a:t>
+            </a:r>
+          </a:p>
+          <a:p>
+            <a:pPr lvl="1">
+              <a:buFont typeface="Courier New" panose="02070309020205020404" pitchFamily="49" charset="0"/>
+              <a:buChar char="o"/>
+            </a:pPr>
+            <a:r>
+              <a:rPr lang="pl-PL" sz="1500" dirty="0"/>
+              <a:t>_</a:t>
+            </a:r>
+            <a:r>
+              <a:rPr lang="pl-PL" sz="1500" dirty="0" err="1"/>
+              <a:t>invalidate_events</a:t>
+            </a:r>
+            <a:r>
+              <a:rPr lang="pl-PL" sz="1500" dirty="0"/>
+              <a:t> - oznacza przestarzałe eventy jako nieważne, aby nie zostały przetworzone.</a:t>
+            </a:r>
+          </a:p>
+          <a:p>
+            <a:pPr lvl="1">
+              <a:buFont typeface="Courier New" panose="02070309020205020404" pitchFamily="49" charset="0"/>
+              <a:buChar char="o"/>
+            </a:pPr>
+            <a:r>
+              <a:rPr lang="pl-PL" sz="1500" dirty="0"/>
+              <a:t>_</a:t>
+            </a:r>
+            <a:r>
+              <a:rPr lang="pl-PL" sz="1500" dirty="0" err="1"/>
+              <a:t>extract_line_part</a:t>
+            </a:r>
+            <a:r>
+              <a:rPr lang="pl-PL" sz="1500" dirty="0"/>
+              <a:t>(</a:t>
+            </a:r>
+            <a:r>
+              <a:rPr lang="pl-PL" sz="1500" dirty="0" err="1"/>
+              <a:t>line</a:t>
+            </a:r>
+            <a:r>
+              <a:rPr lang="pl-PL" sz="1500" dirty="0"/>
+              <a:t>, a, b) zwraca część linii znajdującą się między a i b</a:t>
+            </a:r>
+          </a:p>
+          <a:p>
+            <a:pPr lvl="1">
+              <a:buFont typeface="Courier New" panose="02070309020205020404" pitchFamily="49" charset="0"/>
+              <a:buChar char="o"/>
+            </a:pPr>
+            <a:r>
+              <a:rPr lang="pl-PL" sz="1500" dirty="0"/>
+              <a:t>_</a:t>
+            </a:r>
+            <a:r>
+              <a:rPr lang="pl-PL" sz="1500" dirty="0" err="1"/>
+              <a:t>make_scene</a:t>
+            </a:r>
+            <a:r>
+              <a:rPr lang="pl-PL" sz="1500" dirty="0"/>
+              <a:t>() dodaje krok do </a:t>
+            </a:r>
+            <a:r>
+              <a:rPr lang="pl-PL" sz="1500" dirty="0"/>
+              <a:t>wizualizacji</a:t>
+            </a:r>
+            <a:endParaRPr lang="pl-PL" sz="1500" dirty="0"/>
+          </a:p>
+          <a:p>
+            <a:pPr marL="0" indent="0">
+              <a:buNone/>
+            </a:pPr>
+            <a:endParaRPr lang="pl-PL" dirty="0"/>
+          </a:p>
+        </p:txBody>
+      </p:sp>
+    </p:spTree>
+    <p:extLst>
+      <p:ext uri="{BB962C8B-B14F-4D97-AF65-F5344CB8AC3E}">
+        <p14:creationId xmlns:p14="http://schemas.microsoft.com/office/powerpoint/2010/main" val="1578376473"/>
+      </p:ext>
+    </p:extLst>
+  </p:cSld>
+  <p:clrMapOvr>
+    <a:masterClrMapping/>
+  </p:clrMapOvr>
+</p:sld>
+</file>
+
+<file path=ppt/slides/slide11.xml><?xml version="1.0" encoding="utf-8"?>
+<p:sld xmlns:a="http://schemas.openxmlformats.org/drawingml/2006/main" xmlns:r="http://schemas.openxmlformats.org/officeDocument/2006/relationships" xmlns:p="http://schemas.openxmlformats.org/presentationml/2006/main">
+  <p:cSld>
+    <p:spTree>
+      <p:nvGrpSpPr>
+        <p:cNvPr id="1" name=""/>
+        <p:cNvGrpSpPr/>
+        <p:nvPr/>
+      </p:nvGrpSpPr>
+      <p:grpSpPr>
+        <a:xfrm>
+          <a:off x="0" y="0"/>
+          <a:ext cx="0" cy="0"/>
+          <a:chOff x="0" y="0"/>
+          <a:chExt cx="0" cy="0"/>
+        </a:xfrm>
+      </p:grpSpPr>
+      <p:sp>
+        <p:nvSpPr>
+          <p:cNvPr id="2" name="Tytuł 1"/>
+          <p:cNvSpPr>
+            <a:spLocks noGrp="1"/>
+          </p:cNvSpPr>
+          <p:nvPr>
+            <p:ph type="title"/>
+          </p:nvPr>
+        </p:nvSpPr>
+        <p:spPr/>
+        <p:txBody>
+          <a:bodyPr/>
+          <a:lstStyle/>
+          <a:p>
+            <a:r>
+              <a:rPr lang="pl-PL" dirty="0"/>
+              <a:t>Krótki opis pozostałych funkcji programu</a:t>
+            </a:r>
+          </a:p>
+        </p:txBody>
+      </p:sp>
+      <p:sp>
+        <p:nvSpPr>
+          <p:cNvPr id="3" name="Symbol zastępczy zawartości 2"/>
+          <p:cNvSpPr>
+            <a:spLocks noGrp="1"/>
+          </p:cNvSpPr>
+          <p:nvPr>
+            <p:ph idx="1"/>
+          </p:nvPr>
+        </p:nvSpPr>
+        <p:spPr/>
+        <p:txBody>
+          <a:bodyPr/>
+          <a:lstStyle/>
+          <a:p>
+            <a:r>
+              <a:rPr lang="pl-PL" dirty="0" smtClean="0"/>
+              <a:t>Z pliku MaxMetric</a:t>
+            </a:r>
+          </a:p>
+          <a:p>
+            <a:pPr lvl="1">
+              <a:buFont typeface="Courier New" panose="02070309020205020404" pitchFamily="49" charset="0"/>
+              <a:buChar char="o"/>
+            </a:pPr>
+            <a:r>
+              <a:rPr lang="pl-PL" dirty="0" err="1"/>
+              <a:t>findCross</a:t>
+            </a:r>
+            <a:r>
+              <a:rPr lang="pl-PL" dirty="0"/>
+              <a:t>, </a:t>
+            </a:r>
+            <a:r>
+              <a:rPr lang="pl-PL" dirty="0" err="1"/>
+              <a:t>line_intersection</a:t>
+            </a:r>
+            <a:r>
+              <a:rPr lang="pl-PL" dirty="0"/>
+              <a:t> to funkcje pomocnicze do funkcji cross</a:t>
+            </a:r>
+          </a:p>
+          <a:p>
+            <a:pPr lvl="1">
+              <a:buFont typeface="Courier New" panose="02070309020205020404" pitchFamily="49" charset="0"/>
+              <a:buChar char="o"/>
+            </a:pPr>
+            <a:r>
+              <a:rPr lang="pl-PL" dirty="0" err="1"/>
+              <a:t>rightEnd</a:t>
+            </a:r>
+            <a:r>
+              <a:rPr lang="pl-PL" dirty="0"/>
+              <a:t>, </a:t>
+            </a:r>
+            <a:r>
+              <a:rPr lang="pl-PL" dirty="0" err="1"/>
+              <a:t>leftEnd</a:t>
+            </a:r>
+            <a:r>
+              <a:rPr lang="pl-PL" dirty="0"/>
+              <a:t>, </a:t>
+            </a:r>
+            <a:r>
+              <a:rPr lang="pl-PL" dirty="0" err="1"/>
+              <a:t>eq</a:t>
+            </a:r>
+            <a:r>
+              <a:rPr lang="pl-PL" dirty="0"/>
+              <a:t>, </a:t>
+            </a:r>
+            <a:r>
+              <a:rPr lang="pl-PL" dirty="0" err="1"/>
+              <a:t>samepoint</a:t>
+            </a:r>
+            <a:r>
+              <a:rPr lang="pl-PL" dirty="0"/>
+              <a:t> to funkcje pomocnicze do funkcji bisector</a:t>
+            </a:r>
+          </a:p>
+          <a:p>
+            <a:r>
+              <a:rPr lang="pl-PL" dirty="0" smtClean="0"/>
+              <a:t>Z pliku </a:t>
+            </a:r>
+            <a:r>
+              <a:rPr lang="pl-PL" dirty="0" err="1" smtClean="0"/>
+              <a:t>RBTree</a:t>
+            </a:r>
+            <a:r>
+              <a:rPr lang="pl-PL" dirty="0" smtClean="0"/>
+              <a:t> </a:t>
+            </a:r>
+          </a:p>
+          <a:p>
+            <a:pPr lvl="1">
+              <a:buFont typeface="Courier New" panose="02070309020205020404" pitchFamily="49" charset="0"/>
+              <a:buChar char="o"/>
+            </a:pPr>
+            <a:r>
+              <a:rPr lang="pl-PL" dirty="0"/>
+              <a:t>i</a:t>
+            </a:r>
+            <a:r>
+              <a:rPr lang="pl-PL" dirty="0" smtClean="0"/>
+              <a:t>nsert, </a:t>
+            </a:r>
+            <a:r>
+              <a:rPr lang="pl-PL" dirty="0" err="1" smtClean="0"/>
+              <a:t>remove</a:t>
+            </a:r>
+            <a:r>
+              <a:rPr lang="pl-PL" dirty="0" smtClean="0"/>
+              <a:t> – dodają i usuwają konkretny węzeł do drzewa</a:t>
+            </a:r>
+          </a:p>
+          <a:p>
+            <a:pPr lvl="1">
+              <a:buFont typeface="Courier New" panose="02070309020205020404" pitchFamily="49" charset="0"/>
+              <a:buChar char="o"/>
+            </a:pPr>
+            <a:r>
+              <a:rPr lang="pl-PL" dirty="0" err="1" smtClean="0"/>
+              <a:t>find</a:t>
+            </a:r>
+            <a:r>
+              <a:rPr lang="pl-PL" dirty="0" smtClean="0"/>
+              <a:t> – znajdują konkretny węzeł w drzewie</a:t>
+            </a:r>
+          </a:p>
+          <a:p>
+            <a:pPr lvl="1">
+              <a:buFont typeface="Courier New" panose="02070309020205020404" pitchFamily="49" charset="0"/>
+              <a:buChar char="o"/>
+            </a:pPr>
+            <a:r>
+              <a:rPr lang="pl-PL" dirty="0" err="1"/>
+              <a:t>s</a:t>
+            </a:r>
+            <a:r>
+              <a:rPr lang="pl-PL" dirty="0" err="1" smtClean="0"/>
+              <a:t>uccessor</a:t>
+            </a:r>
+            <a:r>
+              <a:rPr lang="pl-PL" dirty="0" smtClean="0"/>
+              <a:t> i </a:t>
+            </a:r>
+            <a:r>
+              <a:rPr lang="pl-PL" dirty="0" err="1" smtClean="0"/>
+              <a:t>predecessor</a:t>
+            </a:r>
+            <a:r>
+              <a:rPr lang="pl-PL" dirty="0" smtClean="0"/>
+              <a:t> </a:t>
+            </a:r>
+            <a:r>
+              <a:rPr lang="pl-PL" dirty="0" err="1" smtClean="0"/>
+              <a:t>znajduja</a:t>
+            </a:r>
+            <a:r>
+              <a:rPr lang="pl-PL" dirty="0" smtClean="0"/>
+              <a:t> poprzedni i kolejny </a:t>
+            </a:r>
+            <a:r>
+              <a:rPr lang="pl-PL" dirty="0" err="1" smtClean="0"/>
+              <a:t>wezel</a:t>
+            </a:r>
+            <a:r>
+              <a:rPr lang="pl-PL" dirty="0" smtClean="0"/>
+              <a:t> w drzewie</a:t>
+            </a:r>
+          </a:p>
+          <a:p>
+            <a:endParaRPr lang="pl-PL" dirty="0" smtClean="0"/>
+          </a:p>
+        </p:txBody>
+      </p:sp>
+    </p:spTree>
+    <p:extLst>
+      <p:ext uri="{BB962C8B-B14F-4D97-AF65-F5344CB8AC3E}">
+        <p14:creationId xmlns:p14="http://schemas.microsoft.com/office/powerpoint/2010/main" val="3430527950"/>
+      </p:ext>
+    </p:extLst>
+  </p:cSld>
+  <p:clrMapOvr>
+    <a:masterClrMapping/>
+  </p:clrMapOvr>
+</p:sld>
+</file>
+
+<file path=ppt/slides/slide12.xml><?xml version="1.0" encoding="utf-8"?>
+<p:sld xmlns:a="http://schemas.openxmlformats.org/drawingml/2006/main" xmlns:r="http://schemas.openxmlformats.org/officeDocument/2006/relationships" xmlns:p="http://schemas.openxmlformats.org/presentationml/2006/main">
+  <p:cSld>
+    <p:spTree>
+      <p:nvGrpSpPr>
+        <p:cNvPr id="1" name=""/>
+        <p:cNvGrpSpPr/>
+        <p:nvPr/>
+      </p:nvGrpSpPr>
+      <p:grpSpPr>
+        <a:xfrm>
+          <a:off x="0" y="0"/>
+          <a:ext cx="0" cy="0"/>
+          <a:chOff x="0" y="0"/>
+          <a:chExt cx="0" cy="0"/>
+        </a:xfrm>
+      </p:grpSpPr>
+    </p:spTree>
+    <p:extLst>
+      <p:ext uri="{BB962C8B-B14F-4D97-AF65-F5344CB8AC3E}">
+        <p14:creationId xmlns:p14="http://schemas.microsoft.com/office/powerpoint/2010/main" val="1294163577"/>
+      </p:ext>
+    </p:extLst>
+  </p:cSld>
+  <p:clrMapOvr>
+    <a:masterClrMapping/>
+  </p:clrMapOvr>
+</p:sld>
+</file>
+
+<file path=ppt/slides/slide13.xml><?xml version="1.0" encoding="utf-8"?>
+<p:sld xmlns:a="http://schemas.openxmlformats.org/drawingml/2006/main" xmlns:r="http://schemas.openxmlformats.org/officeDocument/2006/relationships" xmlns:p="http://schemas.openxmlformats.org/presentationml/2006/main">
+  <p:cSld>
+    <p:spTree>
+      <p:nvGrpSpPr>
+        <p:cNvPr id="1" name=""/>
+        <p:cNvGrpSpPr/>
+        <p:nvPr/>
+      </p:nvGrpSpPr>
+      <p:grpSpPr>
+        <a:xfrm>
+          <a:off x="0" y="0"/>
+          <a:ext cx="0" cy="0"/>
+          <a:chOff x="0" y="0"/>
+          <a:chExt cx="0" cy="0"/>
+        </a:xfrm>
+      </p:grpSpPr>
+    </p:spTree>
+    <p:extLst>
+      <p:ext uri="{BB962C8B-B14F-4D97-AF65-F5344CB8AC3E}">
+        <p14:creationId xmlns:p14="http://schemas.microsoft.com/office/powerpoint/2010/main" val="3860590819"/>
+      </p:ext>
+    </p:extLst>
+  </p:cSld>
+  <p:clrMapOvr>
+    <a:masterClrMapping/>
+  </p:clrMapOvr>
+</p:sld>
+</file>
+
 <file path=ppt/slides/slide2.xml><?xml version="1.0" encoding="utf-8"?>
 <p:sld xmlns:a="http://schemas.openxmlformats.org/drawingml/2006/main" xmlns:r="http://schemas.openxmlformats.org/officeDocument/2006/relationships" xmlns:p="http://schemas.openxmlformats.org/presentationml/2006/main">
   <p:cSld>
@@ -6393,8 +6950,13 @@
           <a:p>
             <a:r>
               <a:rPr lang="pl-PL" dirty="0" smtClean="0"/>
-              <a:t>Kolejka priorytetowa sortująca punkty wedle klucza wysokości Y a drugiej kolejności szerokości X</a:t>
-            </a:r>
+              <a:t>Kolejka priorytetowa sortująca punkty wedle klucza wysokości Y a drugiej kolejności szerokości </a:t>
+            </a:r>
+            <a:r>
+              <a:rPr lang="pl-PL" dirty="0" smtClean="0"/>
+              <a:t>X w celu przechowywania eventów</a:t>
+            </a:r>
+            <a:endParaRPr lang="pl-PL" dirty="0" smtClean="0"/>
           </a:p>
           <a:p>
             <a:r>
@@ -6403,7 +6965,15 @@
             </a:r>
             <a:r>
               <a:rPr lang="pl-PL" dirty="0"/>
-              <a:t>czerwono-czarne implementujące funkcje</a:t>
+              <a:t>czerwono-czarne </a:t>
+            </a:r>
+            <a:r>
+              <a:rPr lang="pl-PL" dirty="0" smtClean="0"/>
+              <a:t>w celu oznaczania eventów jako nieaktywnych, implementujące </a:t>
+            </a:r>
+            <a:r>
+              <a:rPr lang="pl-PL" dirty="0"/>
+              <a:t>funkcje</a:t>
             </a:r>
             <a:r>
               <a:rPr lang="pl-PL" dirty="0" smtClean="0"/>
@@ -6687,12 +7257,115 @@
             <p:ph idx="1"/>
           </p:nvPr>
         </p:nvSpPr>
-        <p:spPr/>
-        <p:txBody>
-          <a:bodyPr/>
-          <a:lstStyle/>
-          <a:p>
-            <a:endParaRPr lang="pl-PL"/>
+        <p:spPr>
+          <a:xfrm>
+            <a:off x="1141413" y="1970117"/>
+            <a:ext cx="9905998" cy="4314306"/>
+          </a:xfrm>
+        </p:spPr>
+        <p:txBody>
+          <a:bodyPr>
+            <a:normAutofit fontScale="92500" lnSpcReduction="10000"/>
+          </a:bodyPr>
+          <a:lstStyle/>
+          <a:p>
+            <a:r>
+              <a:rPr lang="pl-PL" dirty="0" smtClean="0"/>
+              <a:t>Funkcja bisector z pliku MaxMetric:</a:t>
+            </a:r>
+          </a:p>
+          <a:p>
+            <a:pPr lvl="1">
+              <a:buFont typeface="Courier New" panose="02070309020205020404" pitchFamily="49" charset="0"/>
+              <a:buChar char="o"/>
+            </a:pPr>
+            <a:r>
+              <a:rPr lang="pl-PL" dirty="0"/>
+              <a:t>Zwraca symetralną odległości między zadanymi punktami</a:t>
+            </a:r>
+          </a:p>
+          <a:p>
+            <a:pPr lvl="1">
+              <a:buFont typeface="Courier New" panose="02070309020205020404" pitchFamily="49" charset="0"/>
+              <a:buChar char="o"/>
+            </a:pPr>
+            <a:r>
+              <a:rPr lang="pl-PL" dirty="0"/>
+              <a:t>Symetralna jest w postaci listy odcinków</a:t>
+            </a:r>
+          </a:p>
+          <a:p>
+            <a:pPr lvl="1">
+              <a:buFont typeface="Courier New" panose="02070309020205020404" pitchFamily="49" charset="0"/>
+              <a:buChar char="o"/>
+            </a:pPr>
+            <a:r>
+              <a:rPr lang="pl-PL" dirty="0"/>
+              <a:t>W związku z charakterystyką Metryki Maximum symetralna (poza szczególnymi przypadkami) składa się z odcinka nachylonego pod kontem (+/-) pi/4, odcinka poziomego/pionowego oraz kolejnego odcinka nachylonego pod kontem (+/-) pi/4</a:t>
+            </a:r>
+          </a:p>
+          <a:p>
+            <a:pPr lvl="1">
+              <a:buFont typeface="Courier New" panose="02070309020205020404" pitchFamily="49" charset="0"/>
+              <a:buChar char="o"/>
+            </a:pPr>
+            <a:r>
+              <a:rPr lang="pl-PL" dirty="0"/>
+              <a:t>Wykorzystuje podfunkcje dla większej czytelności </a:t>
+            </a:r>
+            <a:r>
+              <a:rPr lang="pl-PL" dirty="0" smtClean="0"/>
+              <a:t>kodu</a:t>
+            </a:r>
+            <a:endParaRPr lang="pl-PL" dirty="0" smtClean="0"/>
+          </a:p>
+          <a:p>
+            <a:r>
+              <a:rPr lang="pl-PL" dirty="0"/>
+              <a:t>Funkcja </a:t>
+            </a:r>
+            <a:r>
+              <a:rPr lang="pl-PL" dirty="0" smtClean="0"/>
+              <a:t>cross </a:t>
+            </a:r>
+            <a:r>
+              <a:rPr lang="pl-PL" dirty="0"/>
+              <a:t>z pliku MaxMetric</a:t>
+            </a:r>
+            <a:r>
+              <a:rPr lang="pl-PL" dirty="0" smtClean="0"/>
+              <a:t>:</a:t>
+            </a:r>
+          </a:p>
+          <a:p>
+            <a:pPr lvl="1">
+              <a:buFont typeface="Courier New" panose="02070309020205020404" pitchFamily="49" charset="0"/>
+              <a:buChar char="o"/>
+            </a:pPr>
+            <a:r>
+              <a:rPr lang="pl-PL" dirty="0" smtClean="0"/>
+              <a:t>Zwraca punkt przecięcia się dwóch linii (lista odcinków) lub False, gdy taki punkt nie istnieje</a:t>
+            </a:r>
+          </a:p>
+          <a:p>
+            <a:pPr lvl="1">
+              <a:buFont typeface="Courier New" panose="02070309020205020404" pitchFamily="49" charset="0"/>
+              <a:buChar char="o"/>
+            </a:pPr>
+            <a:r>
+              <a:rPr lang="pl-PL" dirty="0" smtClean="0"/>
+              <a:t>Ma za zadanie znajdować przecięcia symetralnych, które następnie są kolejnymi eventami (tyle że z odpowiednio mniejszym kluczem)</a:t>
+            </a:r>
+          </a:p>
+          <a:p>
+            <a:pPr lvl="1">
+              <a:buFont typeface="Courier New" panose="02070309020205020404" pitchFamily="49" charset="0"/>
+              <a:buChar char="o"/>
+            </a:pPr>
+            <a:r>
+              <a:rPr lang="pl-PL" dirty="0" smtClean="0"/>
+              <a:t>Wykorzystuje podfunkcję do znajdowania przecięcia linii i podfunkcję do sprawdzania czy przecięcie leży w zakresie odcinka</a:t>
+            </a:r>
           </a:p>
         </p:txBody>
       </p:sp>

--- a/VoronoiPrezentacja.pptx
+++ b/VoronoiPrezentacja.pptx
@@ -16,8 +16,18 @@
     <p:sldId id="264" r:id="rId10"/>
     <p:sldId id="265" r:id="rId11"/>
     <p:sldId id="266" r:id="rId12"/>
-    <p:sldId id="267" r:id="rId13"/>
-    <p:sldId id="268" r:id="rId14"/>
+    <p:sldId id="278" r:id="rId13"/>
+    <p:sldId id="267" r:id="rId14"/>
+    <p:sldId id="268" r:id="rId15"/>
+    <p:sldId id="269" r:id="rId16"/>
+    <p:sldId id="270" r:id="rId17"/>
+    <p:sldId id="271" r:id="rId18"/>
+    <p:sldId id="272" r:id="rId19"/>
+    <p:sldId id="273" r:id="rId20"/>
+    <p:sldId id="274" r:id="rId21"/>
+    <p:sldId id="275" r:id="rId22"/>
+    <p:sldId id="276" r:id="rId23"/>
+    <p:sldId id="277" r:id="rId24"/>
   </p:sldIdLst>
   <p:sldSz cx="12192000" cy="6858000"/>
   <p:notesSz cx="6858000" cy="9144000"/>
@@ -5749,6 +5759,13 @@
   <p:clrMapOvr>
     <a:masterClrMapping/>
   </p:clrMapOvr>
+  <p:timing>
+    <p:tnLst>
+      <p:par>
+        <p:cTn id="1" dur="indefinite" restart="never" nodeType="tmRoot"/>
+      </p:par>
+    </p:tnLst>
+  </p:timing>
 </p:sld>
 </file>
 
@@ -5839,11 +5856,7 @@
             </a:r>
             <a:r>
               <a:rPr lang="pl-PL" sz="1500" dirty="0"/>
-              <a:t> - Dodaje przewidywany punkt przecięcia do listy </a:t>
-            </a:r>
-            <a:r>
-              <a:rPr lang="pl-PL" sz="1500" dirty="0"/>
-              <a:t>eventów</a:t>
+              <a:t> - Dodaje przewidywany punkt przecięcia do listy eventów</a:t>
             </a:r>
           </a:p>
           <a:p>
@@ -5861,23 +5874,7 @@
             </a:r>
             <a:r>
               <a:rPr lang="pl-PL" sz="1500" dirty="0"/>
-              <a:t> </a:t>
-            </a:r>
-            <a:r>
-              <a:rPr lang="pl-PL" sz="1500" dirty="0"/>
-              <a:t>-</a:t>
-            </a:r>
-            <a:r>
-              <a:rPr lang="pl-PL" sz="1500" dirty="0"/>
-              <a:t>przetwarza eventy będące środkami komórek. </a:t>
-            </a:r>
-            <a:r>
-              <a:rPr lang="pl-PL" sz="1500" dirty="0"/>
-              <a:t>Dodaje komórkę do struktury przechowywującej aktywne komórki i szuka  </a:t>
-            </a:r>
-            <a:r>
-              <a:rPr lang="pl-PL" sz="1500" dirty="0"/>
-              <a:t>s</a:t>
+              <a:t> -przetwarza eventy będące środkami komórek. Dodaje komórkę do struktury przechowywującej aktywne komórki i szuka  s</a:t>
             </a:r>
             <a:r>
               <a:rPr lang="pl-PL" sz="1500" dirty="0" smtClean="0"/>
@@ -5987,13 +5984,8 @@
             </a:r>
             <a:r>
               <a:rPr lang="pl-PL" sz="1500" dirty="0"/>
-              <a:t>() dodaje krok do </a:t>
-            </a:r>
-            <a:r>
-              <a:rPr lang="pl-PL" sz="1500" dirty="0"/>
-              <a:t>wizualizacji</a:t>
-            </a:r>
-            <a:endParaRPr lang="pl-PL" sz="1500" dirty="0"/>
+              <a:t>() dodaje krok do wizualizacji</a:t>
+            </a:r>
           </a:p>
           <a:p>
             <a:pPr marL="0" indent="0">
@@ -6013,6 +6005,13 @@
   <p:clrMapOvr>
     <a:masterClrMapping/>
   </p:clrMapOvr>
+  <p:timing>
+    <p:tnLst>
+      <p:par>
+        <p:cTn id="1" dur="indefinite" restart="never" nodeType="tmRoot"/>
+      </p:par>
+    </p:tnLst>
+  </p:timing>
 </p:sld>
 </file>
 
@@ -6242,6 +6241,13 @@
   <p:clrMapOvr>
     <a:masterClrMapping/>
   </p:clrMapOvr>
+  <p:timing>
+    <p:tnLst>
+      <p:par>
+        <p:cTn id="1" dur="indefinite" restart="never" nodeType="tmRoot"/>
+      </p:par>
+    </p:tnLst>
+  </p:timing>
 </p:sld>
 </file>
 
@@ -6262,16 +6268,70 @@
           <a:chExt cx="0" cy="0"/>
         </a:xfrm>
       </p:grpSpPr>
+      <p:sp>
+        <p:nvSpPr>
+          <p:cNvPr id="2" name="Tytuł 1"/>
+          <p:cNvSpPr>
+            <a:spLocks noGrp="1"/>
+          </p:cNvSpPr>
+          <p:nvPr>
+            <p:ph type="title"/>
+          </p:nvPr>
+        </p:nvSpPr>
+        <p:spPr>
+          <a:xfrm>
+            <a:off x="1141413" y="1714499"/>
+            <a:ext cx="9905998" cy="1905000"/>
+          </a:xfrm>
+        </p:spPr>
+        <p:txBody>
+          <a:bodyPr/>
+          <a:lstStyle/>
+          <a:p>
+            <a:r>
+              <a:rPr lang="pl-PL" dirty="0" smtClean="0"/>
+              <a:t>Wizualizacja Działania algorytmu</a:t>
+            </a:r>
+            <a:endParaRPr lang="pl-PL" dirty="0"/>
+          </a:p>
+        </p:txBody>
+      </p:sp>
+      <p:sp>
+        <p:nvSpPr>
+          <p:cNvPr id="3" name="Symbol zastępczy zawartości 2"/>
+          <p:cNvSpPr>
+            <a:spLocks noGrp="1"/>
+          </p:cNvSpPr>
+          <p:nvPr>
+            <p:ph idx="1"/>
+          </p:nvPr>
+        </p:nvSpPr>
+        <p:spPr/>
+        <p:txBody>
+          <a:bodyPr/>
+          <a:lstStyle/>
+          <a:p>
+            <a:endParaRPr lang="pl-PL"/>
+          </a:p>
+        </p:txBody>
+      </p:sp>
     </p:spTree>
     <p:extLst>
       <p:ext uri="{BB962C8B-B14F-4D97-AF65-F5344CB8AC3E}">
-        <p14:creationId xmlns:p14="http://schemas.microsoft.com/office/powerpoint/2010/main" val="1294163577"/>
+        <p14:creationId xmlns:p14="http://schemas.microsoft.com/office/powerpoint/2010/main" val="3526096755"/>
       </p:ext>
     </p:extLst>
   </p:cSld>
   <p:clrMapOvr>
     <a:masterClrMapping/>
   </p:clrMapOvr>
+  <p:timing>
+    <p:tnLst>
+      <p:par>
+        <p:cTn id="1" dur="indefinite" restart="never" nodeType="tmRoot"/>
+      </p:par>
+    </p:tnLst>
+  </p:timing>
 </p:sld>
 </file>
 
@@ -6292,6 +6352,103 @@
           <a:chExt cx="0" cy="0"/>
         </a:xfrm>
       </p:grpSpPr>
+      <p:pic>
+        <p:nvPicPr>
+          <p:cNvPr id="2" name="Obraz 1"/>
+          <p:cNvPicPr>
+            <a:picLocks noChangeAspect="1"/>
+          </p:cNvPicPr>
+          <p:nvPr/>
+        </p:nvPicPr>
+        <p:blipFill>
+          <a:blip r:embed="rId2">
+            <a:extLst>
+              <a:ext uri="{28A0092B-C50C-407E-A947-70E740481C1C}">
+                <a14:useLocalDpi xmlns:a14="http://schemas.microsoft.com/office/drawing/2010/main" val="0"/>
+              </a:ext>
+            </a:extLst>
+          </a:blip>
+          <a:stretch>
+            <a:fillRect/>
+          </a:stretch>
+        </p:blipFill>
+        <p:spPr>
+          <a:xfrm>
+            <a:off x="2202891" y="0"/>
+            <a:ext cx="7786218" cy="6858000"/>
+          </a:xfrm>
+          <a:prstGeom prst="rect">
+            <a:avLst/>
+          </a:prstGeom>
+        </p:spPr>
+      </p:pic>
+    </p:spTree>
+    <p:extLst>
+      <p:ext uri="{BB962C8B-B14F-4D97-AF65-F5344CB8AC3E}">
+        <p14:creationId xmlns:p14="http://schemas.microsoft.com/office/powerpoint/2010/main" val="1294163577"/>
+      </p:ext>
+    </p:extLst>
+  </p:cSld>
+  <p:clrMapOvr>
+    <a:masterClrMapping/>
+  </p:clrMapOvr>
+  <p:timing>
+    <p:tnLst>
+      <p:par>
+        <p:cTn id="1" dur="indefinite" restart="never" nodeType="tmRoot"/>
+      </p:par>
+    </p:tnLst>
+  </p:timing>
+</p:sld>
+</file>
+
+<file path=ppt/slides/slide14.xml><?xml version="1.0" encoding="utf-8"?>
+<p:sld xmlns:a="http://schemas.openxmlformats.org/drawingml/2006/main" xmlns:r="http://schemas.openxmlformats.org/officeDocument/2006/relationships" xmlns:p="http://schemas.openxmlformats.org/presentationml/2006/main">
+  <p:cSld>
+    <p:spTree>
+      <p:nvGrpSpPr>
+        <p:cNvPr id="1" name=""/>
+        <p:cNvGrpSpPr/>
+        <p:nvPr/>
+      </p:nvGrpSpPr>
+      <p:grpSpPr>
+        <a:xfrm>
+          <a:off x="0" y="0"/>
+          <a:ext cx="0" cy="0"/>
+          <a:chOff x="0" y="0"/>
+          <a:chExt cx="0" cy="0"/>
+        </a:xfrm>
+      </p:grpSpPr>
+      <p:pic>
+        <p:nvPicPr>
+          <p:cNvPr id="2" name="Obraz 1"/>
+          <p:cNvPicPr>
+            <a:picLocks noChangeAspect="1"/>
+          </p:cNvPicPr>
+          <p:nvPr/>
+        </p:nvPicPr>
+        <p:blipFill>
+          <a:blip r:embed="rId2">
+            <a:extLst>
+              <a:ext uri="{28A0092B-C50C-407E-A947-70E740481C1C}">
+                <a14:useLocalDpi xmlns:a14="http://schemas.microsoft.com/office/drawing/2010/main" val="0"/>
+              </a:ext>
+            </a:extLst>
+          </a:blip>
+          <a:stretch>
+            <a:fillRect/>
+          </a:stretch>
+        </p:blipFill>
+        <p:spPr>
+          <a:xfrm>
+            <a:off x="2698279" y="0"/>
+            <a:ext cx="6795441" cy="6858000"/>
+          </a:xfrm>
+          <a:prstGeom prst="rect">
+            <a:avLst/>
+          </a:prstGeom>
+        </p:spPr>
+      </p:pic>
     </p:spTree>
     <p:extLst>
       <p:ext uri="{BB962C8B-B14F-4D97-AF65-F5344CB8AC3E}">
@@ -6302,6 +6459,348 @@
   <p:clrMapOvr>
     <a:masterClrMapping/>
   </p:clrMapOvr>
+  <p:timing>
+    <p:tnLst>
+      <p:par>
+        <p:cTn id="1" dur="indefinite" restart="never" nodeType="tmRoot"/>
+      </p:par>
+    </p:tnLst>
+  </p:timing>
+</p:sld>
+</file>
+
+<file path=ppt/slides/slide15.xml><?xml version="1.0" encoding="utf-8"?>
+<p:sld xmlns:a="http://schemas.openxmlformats.org/drawingml/2006/main" xmlns:r="http://schemas.openxmlformats.org/officeDocument/2006/relationships" xmlns:p="http://schemas.openxmlformats.org/presentationml/2006/main">
+  <p:cSld>
+    <p:spTree>
+      <p:nvGrpSpPr>
+        <p:cNvPr id="1" name=""/>
+        <p:cNvGrpSpPr/>
+        <p:nvPr/>
+      </p:nvGrpSpPr>
+      <p:grpSpPr>
+        <a:xfrm>
+          <a:off x="0" y="0"/>
+          <a:ext cx="0" cy="0"/>
+          <a:chOff x="0" y="0"/>
+          <a:chExt cx="0" cy="0"/>
+        </a:xfrm>
+      </p:grpSpPr>
+      <p:pic>
+        <p:nvPicPr>
+          <p:cNvPr id="2" name="Obraz 1"/>
+          <p:cNvPicPr>
+            <a:picLocks noChangeAspect="1"/>
+          </p:cNvPicPr>
+          <p:nvPr/>
+        </p:nvPicPr>
+        <p:blipFill>
+          <a:blip r:embed="rId2">
+            <a:extLst>
+              <a:ext uri="{28A0092B-C50C-407E-A947-70E740481C1C}">
+                <a14:useLocalDpi xmlns:a14="http://schemas.microsoft.com/office/drawing/2010/main" val="0"/>
+              </a:ext>
+            </a:extLst>
+          </a:blip>
+          <a:stretch>
+            <a:fillRect/>
+          </a:stretch>
+        </p:blipFill>
+        <p:spPr>
+          <a:xfrm>
+            <a:off x="2857284" y="0"/>
+            <a:ext cx="6477432" cy="6858000"/>
+          </a:xfrm>
+          <a:prstGeom prst="rect">
+            <a:avLst/>
+          </a:prstGeom>
+        </p:spPr>
+      </p:pic>
+    </p:spTree>
+    <p:extLst>
+      <p:ext uri="{BB962C8B-B14F-4D97-AF65-F5344CB8AC3E}">
+        <p14:creationId xmlns:p14="http://schemas.microsoft.com/office/powerpoint/2010/main" val="3917263119"/>
+      </p:ext>
+    </p:extLst>
+  </p:cSld>
+  <p:clrMapOvr>
+    <a:masterClrMapping/>
+  </p:clrMapOvr>
+  <p:timing>
+    <p:tnLst>
+      <p:par>
+        <p:cTn id="1" dur="indefinite" restart="never" nodeType="tmRoot"/>
+      </p:par>
+    </p:tnLst>
+  </p:timing>
+</p:sld>
+</file>
+
+<file path=ppt/slides/slide16.xml><?xml version="1.0" encoding="utf-8"?>
+<p:sld xmlns:a="http://schemas.openxmlformats.org/drawingml/2006/main" xmlns:r="http://schemas.openxmlformats.org/officeDocument/2006/relationships" xmlns:p="http://schemas.openxmlformats.org/presentationml/2006/main">
+  <p:cSld>
+    <p:spTree>
+      <p:nvGrpSpPr>
+        <p:cNvPr id="1" name=""/>
+        <p:cNvGrpSpPr/>
+        <p:nvPr/>
+      </p:nvGrpSpPr>
+      <p:grpSpPr>
+        <a:xfrm>
+          <a:off x="0" y="0"/>
+          <a:ext cx="0" cy="0"/>
+          <a:chOff x="0" y="0"/>
+          <a:chExt cx="0" cy="0"/>
+        </a:xfrm>
+      </p:grpSpPr>
+      <p:pic>
+        <p:nvPicPr>
+          <p:cNvPr id="2" name="Obraz 1"/>
+          <p:cNvPicPr>
+            <a:picLocks noChangeAspect="1"/>
+          </p:cNvPicPr>
+          <p:nvPr/>
+        </p:nvPicPr>
+        <p:blipFill>
+          <a:blip r:embed="rId2">
+            <a:extLst>
+              <a:ext uri="{28A0092B-C50C-407E-A947-70E740481C1C}">
+                <a14:useLocalDpi xmlns:a14="http://schemas.microsoft.com/office/drawing/2010/main" val="0"/>
+              </a:ext>
+            </a:extLst>
+          </a:blip>
+          <a:stretch>
+            <a:fillRect/>
+          </a:stretch>
+        </p:blipFill>
+        <p:spPr>
+          <a:xfrm>
+            <a:off x="2791348" y="0"/>
+            <a:ext cx="6609303" cy="6858000"/>
+          </a:xfrm>
+          <a:prstGeom prst="rect">
+            <a:avLst/>
+          </a:prstGeom>
+        </p:spPr>
+      </p:pic>
+    </p:spTree>
+    <p:extLst>
+      <p:ext uri="{BB962C8B-B14F-4D97-AF65-F5344CB8AC3E}">
+        <p14:creationId xmlns:p14="http://schemas.microsoft.com/office/powerpoint/2010/main" val="761548368"/>
+      </p:ext>
+    </p:extLst>
+  </p:cSld>
+  <p:clrMapOvr>
+    <a:masterClrMapping/>
+  </p:clrMapOvr>
+  <p:timing>
+    <p:tnLst>
+      <p:par>
+        <p:cTn id="1" dur="indefinite" restart="never" nodeType="tmRoot"/>
+      </p:par>
+    </p:tnLst>
+  </p:timing>
+</p:sld>
+</file>
+
+<file path=ppt/slides/slide17.xml><?xml version="1.0" encoding="utf-8"?>
+<p:sld xmlns:a="http://schemas.openxmlformats.org/drawingml/2006/main" xmlns:r="http://schemas.openxmlformats.org/officeDocument/2006/relationships" xmlns:p="http://schemas.openxmlformats.org/presentationml/2006/main">
+  <p:cSld>
+    <p:spTree>
+      <p:nvGrpSpPr>
+        <p:cNvPr id="1" name=""/>
+        <p:cNvGrpSpPr/>
+        <p:nvPr/>
+      </p:nvGrpSpPr>
+      <p:grpSpPr>
+        <a:xfrm>
+          <a:off x="0" y="0"/>
+          <a:ext cx="0" cy="0"/>
+          <a:chOff x="0" y="0"/>
+          <a:chExt cx="0" cy="0"/>
+        </a:xfrm>
+      </p:grpSpPr>
+      <p:pic>
+        <p:nvPicPr>
+          <p:cNvPr id="2" name="Obraz 1"/>
+          <p:cNvPicPr>
+            <a:picLocks noChangeAspect="1"/>
+          </p:cNvPicPr>
+          <p:nvPr/>
+        </p:nvPicPr>
+        <p:blipFill>
+          <a:blip r:embed="rId2">
+            <a:extLst>
+              <a:ext uri="{28A0092B-C50C-407E-A947-70E740481C1C}">
+                <a14:useLocalDpi xmlns:a14="http://schemas.microsoft.com/office/drawing/2010/main" val="0"/>
+              </a:ext>
+            </a:extLst>
+          </a:blip>
+          <a:stretch>
+            <a:fillRect/>
+          </a:stretch>
+        </p:blipFill>
+        <p:spPr>
+          <a:xfrm>
+            <a:off x="2807036" y="0"/>
+            <a:ext cx="6577927" cy="6858000"/>
+          </a:xfrm>
+          <a:prstGeom prst="rect">
+            <a:avLst/>
+          </a:prstGeom>
+        </p:spPr>
+      </p:pic>
+    </p:spTree>
+    <p:extLst>
+      <p:ext uri="{BB962C8B-B14F-4D97-AF65-F5344CB8AC3E}">
+        <p14:creationId xmlns:p14="http://schemas.microsoft.com/office/powerpoint/2010/main" val="1810274931"/>
+      </p:ext>
+    </p:extLst>
+  </p:cSld>
+  <p:clrMapOvr>
+    <a:masterClrMapping/>
+  </p:clrMapOvr>
+  <p:timing>
+    <p:tnLst>
+      <p:par>
+        <p:cTn id="1" dur="indefinite" restart="never" nodeType="tmRoot"/>
+      </p:par>
+    </p:tnLst>
+  </p:timing>
+</p:sld>
+</file>
+
+<file path=ppt/slides/slide18.xml><?xml version="1.0" encoding="utf-8"?>
+<p:sld xmlns:a="http://schemas.openxmlformats.org/drawingml/2006/main" xmlns:r="http://schemas.openxmlformats.org/officeDocument/2006/relationships" xmlns:p="http://schemas.openxmlformats.org/presentationml/2006/main">
+  <p:cSld>
+    <p:spTree>
+      <p:nvGrpSpPr>
+        <p:cNvPr id="1" name=""/>
+        <p:cNvGrpSpPr/>
+        <p:nvPr/>
+      </p:nvGrpSpPr>
+      <p:grpSpPr>
+        <a:xfrm>
+          <a:off x="0" y="0"/>
+          <a:ext cx="0" cy="0"/>
+          <a:chOff x="0" y="0"/>
+          <a:chExt cx="0" cy="0"/>
+        </a:xfrm>
+      </p:grpSpPr>
+      <p:pic>
+        <p:nvPicPr>
+          <p:cNvPr id="2" name="Obraz 1"/>
+          <p:cNvPicPr>
+            <a:picLocks noChangeAspect="1"/>
+          </p:cNvPicPr>
+          <p:nvPr/>
+        </p:nvPicPr>
+        <p:blipFill>
+          <a:blip r:embed="rId2">
+            <a:extLst>
+              <a:ext uri="{28A0092B-C50C-407E-A947-70E740481C1C}">
+                <a14:useLocalDpi xmlns:a14="http://schemas.microsoft.com/office/drawing/2010/main" val="0"/>
+              </a:ext>
+            </a:extLst>
+          </a:blip>
+          <a:stretch>
+            <a:fillRect/>
+          </a:stretch>
+        </p:blipFill>
+        <p:spPr>
+          <a:xfrm>
+            <a:off x="2873989" y="0"/>
+            <a:ext cx="6444021" cy="6858000"/>
+          </a:xfrm>
+          <a:prstGeom prst="rect">
+            <a:avLst/>
+          </a:prstGeom>
+        </p:spPr>
+      </p:pic>
+    </p:spTree>
+    <p:extLst>
+      <p:ext uri="{BB962C8B-B14F-4D97-AF65-F5344CB8AC3E}">
+        <p14:creationId xmlns:p14="http://schemas.microsoft.com/office/powerpoint/2010/main" val="3682564647"/>
+      </p:ext>
+    </p:extLst>
+  </p:cSld>
+  <p:clrMapOvr>
+    <a:masterClrMapping/>
+  </p:clrMapOvr>
+  <p:timing>
+    <p:tnLst>
+      <p:par>
+        <p:cTn id="1" dur="indefinite" restart="never" nodeType="tmRoot"/>
+      </p:par>
+    </p:tnLst>
+  </p:timing>
+</p:sld>
+</file>
+
+<file path=ppt/slides/slide19.xml><?xml version="1.0" encoding="utf-8"?>
+<p:sld xmlns:a="http://schemas.openxmlformats.org/drawingml/2006/main" xmlns:r="http://schemas.openxmlformats.org/officeDocument/2006/relationships" xmlns:p="http://schemas.openxmlformats.org/presentationml/2006/main">
+  <p:cSld>
+    <p:spTree>
+      <p:nvGrpSpPr>
+        <p:cNvPr id="1" name=""/>
+        <p:cNvGrpSpPr/>
+        <p:nvPr/>
+      </p:nvGrpSpPr>
+      <p:grpSpPr>
+        <a:xfrm>
+          <a:off x="0" y="0"/>
+          <a:ext cx="0" cy="0"/>
+          <a:chOff x="0" y="0"/>
+          <a:chExt cx="0" cy="0"/>
+        </a:xfrm>
+      </p:grpSpPr>
+      <p:pic>
+        <p:nvPicPr>
+          <p:cNvPr id="2" name="Obraz 1"/>
+          <p:cNvPicPr>
+            <a:picLocks noChangeAspect="1"/>
+          </p:cNvPicPr>
+          <p:nvPr/>
+        </p:nvPicPr>
+        <p:blipFill>
+          <a:blip r:embed="rId2">
+            <a:extLst>
+              <a:ext uri="{28A0092B-C50C-407E-A947-70E740481C1C}">
+                <a14:useLocalDpi xmlns:a14="http://schemas.microsoft.com/office/drawing/2010/main" val="0"/>
+              </a:ext>
+            </a:extLst>
+          </a:blip>
+          <a:stretch>
+            <a:fillRect/>
+          </a:stretch>
+        </p:blipFill>
+        <p:spPr>
+          <a:xfrm>
+            <a:off x="2682729" y="0"/>
+            <a:ext cx="6826542" cy="6858000"/>
+          </a:xfrm>
+          <a:prstGeom prst="rect">
+            <a:avLst/>
+          </a:prstGeom>
+        </p:spPr>
+      </p:pic>
+    </p:spTree>
+    <p:extLst>
+      <p:ext uri="{BB962C8B-B14F-4D97-AF65-F5344CB8AC3E}">
+        <p14:creationId xmlns:p14="http://schemas.microsoft.com/office/powerpoint/2010/main" val="3924593498"/>
+      </p:ext>
+    </p:extLst>
+  </p:cSld>
+  <p:clrMapOvr>
+    <a:masterClrMapping/>
+  </p:clrMapOvr>
+  <p:timing>
+    <p:tnLst>
+      <p:par>
+        <p:cTn id="1" dur="indefinite" restart="never" nodeType="tmRoot"/>
+      </p:par>
+    </p:tnLst>
+  </p:timing>
 </p:sld>
 </file>
 
@@ -6445,6 +6944,281 @@
   <p:clrMapOvr>
     <a:masterClrMapping/>
   </p:clrMapOvr>
+  <p:timing>
+    <p:tnLst>
+      <p:par>
+        <p:cTn id="1" dur="indefinite" restart="never" nodeType="tmRoot"/>
+      </p:par>
+    </p:tnLst>
+  </p:timing>
+</p:sld>
+</file>
+
+<file path=ppt/slides/slide20.xml><?xml version="1.0" encoding="utf-8"?>
+<p:sld xmlns:a="http://schemas.openxmlformats.org/drawingml/2006/main" xmlns:r="http://schemas.openxmlformats.org/officeDocument/2006/relationships" xmlns:p="http://schemas.openxmlformats.org/presentationml/2006/main">
+  <p:cSld>
+    <p:spTree>
+      <p:nvGrpSpPr>
+        <p:cNvPr id="1" name=""/>
+        <p:cNvGrpSpPr/>
+        <p:nvPr/>
+      </p:nvGrpSpPr>
+      <p:grpSpPr>
+        <a:xfrm>
+          <a:off x="0" y="0"/>
+          <a:ext cx="0" cy="0"/>
+          <a:chOff x="0" y="0"/>
+          <a:chExt cx="0" cy="0"/>
+        </a:xfrm>
+      </p:grpSpPr>
+      <p:pic>
+        <p:nvPicPr>
+          <p:cNvPr id="2" name="Obraz 1"/>
+          <p:cNvPicPr>
+            <a:picLocks noChangeAspect="1"/>
+          </p:cNvPicPr>
+          <p:nvPr/>
+        </p:nvPicPr>
+        <p:blipFill>
+          <a:blip r:embed="rId2">
+            <a:extLst>
+              <a:ext uri="{28A0092B-C50C-407E-A947-70E740481C1C}">
+                <a14:useLocalDpi xmlns:a14="http://schemas.microsoft.com/office/drawing/2010/main" val="0"/>
+              </a:ext>
+            </a:extLst>
+          </a:blip>
+          <a:stretch>
+            <a:fillRect/>
+          </a:stretch>
+        </p:blipFill>
+        <p:spPr>
+          <a:xfrm>
+            <a:off x="2708632" y="0"/>
+            <a:ext cx="6774736" cy="6858000"/>
+          </a:xfrm>
+          <a:prstGeom prst="rect">
+            <a:avLst/>
+          </a:prstGeom>
+        </p:spPr>
+      </p:pic>
+    </p:spTree>
+    <p:extLst>
+      <p:ext uri="{BB962C8B-B14F-4D97-AF65-F5344CB8AC3E}">
+        <p14:creationId xmlns:p14="http://schemas.microsoft.com/office/powerpoint/2010/main" val="1835532575"/>
+      </p:ext>
+    </p:extLst>
+  </p:cSld>
+  <p:clrMapOvr>
+    <a:masterClrMapping/>
+  </p:clrMapOvr>
+  <p:timing>
+    <p:tnLst>
+      <p:par>
+        <p:cTn id="1" dur="indefinite" restart="never" nodeType="tmRoot"/>
+      </p:par>
+    </p:tnLst>
+  </p:timing>
+</p:sld>
+</file>
+
+<file path=ppt/slides/slide21.xml><?xml version="1.0" encoding="utf-8"?>
+<p:sld xmlns:a="http://schemas.openxmlformats.org/drawingml/2006/main" xmlns:r="http://schemas.openxmlformats.org/officeDocument/2006/relationships" xmlns:p="http://schemas.openxmlformats.org/presentationml/2006/main">
+  <p:cSld>
+    <p:spTree>
+      <p:nvGrpSpPr>
+        <p:cNvPr id="1" name=""/>
+        <p:cNvGrpSpPr/>
+        <p:nvPr/>
+      </p:nvGrpSpPr>
+      <p:grpSpPr>
+        <a:xfrm>
+          <a:off x="0" y="0"/>
+          <a:ext cx="0" cy="0"/>
+          <a:chOff x="0" y="0"/>
+          <a:chExt cx="0" cy="0"/>
+        </a:xfrm>
+      </p:grpSpPr>
+      <p:pic>
+        <p:nvPicPr>
+          <p:cNvPr id="2" name="Obraz 1"/>
+          <p:cNvPicPr>
+            <a:picLocks noChangeAspect="1"/>
+          </p:cNvPicPr>
+          <p:nvPr/>
+        </p:nvPicPr>
+        <p:blipFill>
+          <a:blip r:embed="rId2">
+            <a:extLst>
+              <a:ext uri="{28A0092B-C50C-407E-A947-70E740481C1C}">
+                <a14:useLocalDpi xmlns:a14="http://schemas.microsoft.com/office/drawing/2010/main" val="0"/>
+              </a:ext>
+            </a:extLst>
+          </a:blip>
+          <a:stretch>
+            <a:fillRect/>
+          </a:stretch>
+        </p:blipFill>
+        <p:spPr>
+          <a:xfrm>
+            <a:off x="2789464" y="0"/>
+            <a:ext cx="6613072" cy="6858000"/>
+          </a:xfrm>
+          <a:prstGeom prst="rect">
+            <a:avLst/>
+          </a:prstGeom>
+        </p:spPr>
+      </p:pic>
+    </p:spTree>
+    <p:extLst>
+      <p:ext uri="{BB962C8B-B14F-4D97-AF65-F5344CB8AC3E}">
+        <p14:creationId xmlns:p14="http://schemas.microsoft.com/office/powerpoint/2010/main" val="2010593706"/>
+      </p:ext>
+    </p:extLst>
+  </p:cSld>
+  <p:clrMapOvr>
+    <a:masterClrMapping/>
+  </p:clrMapOvr>
+  <p:timing>
+    <p:tnLst>
+      <p:par>
+        <p:cTn id="1" dur="indefinite" restart="never" nodeType="tmRoot"/>
+      </p:par>
+    </p:tnLst>
+  </p:timing>
+</p:sld>
+</file>
+
+<file path=ppt/slides/slide22.xml><?xml version="1.0" encoding="utf-8"?>
+<p:sld xmlns:a="http://schemas.openxmlformats.org/drawingml/2006/main" xmlns:r="http://schemas.openxmlformats.org/officeDocument/2006/relationships" xmlns:p="http://schemas.openxmlformats.org/presentationml/2006/main">
+  <p:cSld>
+    <p:spTree>
+      <p:nvGrpSpPr>
+        <p:cNvPr id="1" name=""/>
+        <p:cNvGrpSpPr/>
+        <p:nvPr/>
+      </p:nvGrpSpPr>
+      <p:grpSpPr>
+        <a:xfrm>
+          <a:off x="0" y="0"/>
+          <a:ext cx="0" cy="0"/>
+          <a:chOff x="0" y="0"/>
+          <a:chExt cx="0" cy="0"/>
+        </a:xfrm>
+      </p:grpSpPr>
+      <p:pic>
+        <p:nvPicPr>
+          <p:cNvPr id="2" name="Obraz 1"/>
+          <p:cNvPicPr>
+            <a:picLocks noChangeAspect="1"/>
+          </p:cNvPicPr>
+          <p:nvPr/>
+        </p:nvPicPr>
+        <p:blipFill>
+          <a:blip r:embed="rId2">
+            <a:extLst>
+              <a:ext uri="{28A0092B-C50C-407E-A947-70E740481C1C}">
+                <a14:useLocalDpi xmlns:a14="http://schemas.microsoft.com/office/drawing/2010/main" val="0"/>
+              </a:ext>
+            </a:extLst>
+          </a:blip>
+          <a:stretch>
+            <a:fillRect/>
+          </a:stretch>
+        </p:blipFill>
+        <p:spPr>
+          <a:xfrm>
+            <a:off x="2717598" y="0"/>
+            <a:ext cx="6756804" cy="6858000"/>
+          </a:xfrm>
+          <a:prstGeom prst="rect">
+            <a:avLst/>
+          </a:prstGeom>
+        </p:spPr>
+      </p:pic>
+    </p:spTree>
+    <p:extLst>
+      <p:ext uri="{BB962C8B-B14F-4D97-AF65-F5344CB8AC3E}">
+        <p14:creationId xmlns:p14="http://schemas.microsoft.com/office/powerpoint/2010/main" val="1587173470"/>
+      </p:ext>
+    </p:extLst>
+  </p:cSld>
+  <p:clrMapOvr>
+    <a:masterClrMapping/>
+  </p:clrMapOvr>
+  <p:timing>
+    <p:tnLst>
+      <p:par>
+        <p:cTn id="1" dur="indefinite" restart="never" nodeType="tmRoot"/>
+      </p:par>
+    </p:tnLst>
+  </p:timing>
+</p:sld>
+</file>
+
+<file path=ppt/slides/slide23.xml><?xml version="1.0" encoding="utf-8"?>
+<p:sld xmlns:a="http://schemas.openxmlformats.org/drawingml/2006/main" xmlns:r="http://schemas.openxmlformats.org/officeDocument/2006/relationships" xmlns:p="http://schemas.openxmlformats.org/presentationml/2006/main">
+  <p:cSld>
+    <p:spTree>
+      <p:nvGrpSpPr>
+        <p:cNvPr id="1" name=""/>
+        <p:cNvGrpSpPr/>
+        <p:nvPr/>
+      </p:nvGrpSpPr>
+      <p:grpSpPr>
+        <a:xfrm>
+          <a:off x="0" y="0"/>
+          <a:ext cx="0" cy="0"/>
+          <a:chOff x="0" y="0"/>
+          <a:chExt cx="0" cy="0"/>
+        </a:xfrm>
+      </p:grpSpPr>
+      <p:pic>
+        <p:nvPicPr>
+          <p:cNvPr id="2" name="Obraz 1"/>
+          <p:cNvPicPr>
+            <a:picLocks noChangeAspect="1"/>
+          </p:cNvPicPr>
+          <p:nvPr/>
+        </p:nvPicPr>
+        <p:blipFill>
+          <a:blip r:embed="rId2">
+            <a:extLst>
+              <a:ext uri="{28A0092B-C50C-407E-A947-70E740481C1C}">
+                <a14:useLocalDpi xmlns:a14="http://schemas.microsoft.com/office/drawing/2010/main" val="0"/>
+              </a:ext>
+            </a:extLst>
+          </a:blip>
+          <a:stretch>
+            <a:fillRect/>
+          </a:stretch>
+        </p:blipFill>
+        <p:spPr>
+          <a:xfrm>
+            <a:off x="2798143" y="0"/>
+            <a:ext cx="6595714" cy="6858000"/>
+          </a:xfrm>
+          <a:prstGeom prst="rect">
+            <a:avLst/>
+          </a:prstGeom>
+        </p:spPr>
+      </p:pic>
+    </p:spTree>
+    <p:extLst>
+      <p:ext uri="{BB962C8B-B14F-4D97-AF65-F5344CB8AC3E}">
+        <p14:creationId xmlns:p14="http://schemas.microsoft.com/office/powerpoint/2010/main" val="3424371943"/>
+      </p:ext>
+    </p:extLst>
+  </p:cSld>
+  <p:clrMapOvr>
+    <a:masterClrMapping/>
+  </p:clrMapOvr>
+  <p:timing>
+    <p:tnLst>
+      <p:par>
+        <p:cTn id="1" dur="indefinite" restart="never" nodeType="tmRoot"/>
+      </p:par>
+    </p:tnLst>
+  </p:timing>
 </p:sld>
 </file>
 
@@ -6557,6 +7331,13 @@
   <p:clrMapOvr>
     <a:masterClrMapping/>
   </p:clrMapOvr>
+  <p:timing>
+    <p:tnLst>
+      <p:par>
+        <p:cTn id="1" dur="indefinite" restart="never" nodeType="tmRoot"/>
+      </p:par>
+    </p:tnLst>
+  </p:timing>
 </p:sld>
 </file>
 
@@ -6672,6 +7453,13 @@
   <p:clrMapOvr>
     <a:masterClrMapping/>
   </p:clrMapOvr>
+  <p:timing>
+    <p:tnLst>
+      <p:par>
+        <p:cTn id="1" dur="indefinite" restart="never" nodeType="tmRoot"/>
+      </p:par>
+    </p:tnLst>
+  </p:timing>
 </p:sld>
 </file>
 
@@ -6788,6 +7576,13 @@
   <p:clrMapOvr>
     <a:masterClrMapping/>
   </p:clrMapOvr>
+  <p:timing>
+    <p:tnLst>
+      <p:par>
+        <p:cTn id="1" dur="indefinite" restart="never" nodeType="tmRoot"/>
+      </p:par>
+    </p:tnLst>
+  </p:timing>
 </p:sld>
 </file>
 
@@ -6884,6 +7679,13 @@
   <p:clrMapOvr>
     <a:masterClrMapping/>
   </p:clrMapOvr>
+  <p:timing>
+    <p:tnLst>
+      <p:par>
+        <p:cTn id="1" dur="indefinite" restart="never" nodeType="tmRoot"/>
+      </p:par>
+    </p:tnLst>
+  </p:timing>
 </p:sld>
 </file>
 
@@ -6950,13 +7752,8 @@
           <a:p>
             <a:r>
               <a:rPr lang="pl-PL" dirty="0" smtClean="0"/>
-              <a:t>Kolejka priorytetowa sortująca punkty wedle klucza wysokości Y a drugiej kolejności szerokości </a:t>
-            </a:r>
-            <a:r>
-              <a:rPr lang="pl-PL" dirty="0" smtClean="0"/>
-              <a:t>X w celu przechowywania eventów</a:t>
-            </a:r>
-            <a:endParaRPr lang="pl-PL" dirty="0" smtClean="0"/>
+              <a:t>Kolejka priorytetowa sortująca punkty wedle klucza wysokości Y a drugiej kolejności szerokości X w celu przechowywania eventów</a:t>
+            </a:r>
           </a:p>
           <a:p>
             <a:r>
@@ -7048,6 +7845,13 @@
   <p:clrMapOvr>
     <a:masterClrMapping/>
   </p:clrMapOvr>
+  <p:timing>
+    <p:tnLst>
+      <p:par>
+        <p:cTn id="1" dur="indefinite" restart="never" nodeType="tmRoot"/>
+      </p:par>
+    </p:tnLst>
+  </p:timing>
 </p:sld>
 </file>
 
@@ -7205,6 +8009,13 @@
   <p:clrMapOvr>
     <a:masterClrMapping/>
   </p:clrMapOvr>
+  <p:timing>
+    <p:tnLst>
+      <p:par>
+        <p:cTn id="1" dur="indefinite" restart="never" nodeType="tmRoot"/>
+      </p:par>
+    </p:tnLst>
+  </p:timing>
 </p:sld>
 </file>
 
@@ -7317,7 +8128,6 @@
               <a:rPr lang="pl-PL" dirty="0" smtClean="0"/>
               <a:t>kodu</a:t>
             </a:r>
-            <a:endParaRPr lang="pl-PL" dirty="0" smtClean="0"/>
           </a:p>
           <a:p>
             <a:r>
@@ -7379,6 +8189,13 @@
   <p:clrMapOvr>
     <a:masterClrMapping/>
   </p:clrMapOvr>
+  <p:timing>
+    <p:tnLst>
+      <p:par>
+        <p:cTn id="1" dur="indefinite" restart="never" nodeType="tmRoot"/>
+      </p:par>
+    </p:tnLst>
+  </p:timing>
 </p:sld>
 </file>
 

--- a/VoronoiPrezentacja.pptx
+++ b/VoronoiPrezentacja.pptx
@@ -17,17 +17,26 @@
     <p:sldId id="265" r:id="rId11"/>
     <p:sldId id="266" r:id="rId12"/>
     <p:sldId id="278" r:id="rId13"/>
-    <p:sldId id="267" r:id="rId14"/>
-    <p:sldId id="268" r:id="rId15"/>
-    <p:sldId id="269" r:id="rId16"/>
-    <p:sldId id="270" r:id="rId17"/>
-    <p:sldId id="271" r:id="rId18"/>
-    <p:sldId id="272" r:id="rId19"/>
-    <p:sldId id="273" r:id="rId20"/>
-    <p:sldId id="274" r:id="rId21"/>
-    <p:sldId id="275" r:id="rId22"/>
-    <p:sldId id="276" r:id="rId23"/>
-    <p:sldId id="277" r:id="rId24"/>
+    <p:sldId id="280" r:id="rId14"/>
+    <p:sldId id="281" r:id="rId15"/>
+    <p:sldId id="282" r:id="rId16"/>
+    <p:sldId id="283" r:id="rId17"/>
+    <p:sldId id="284" r:id="rId18"/>
+    <p:sldId id="285" r:id="rId19"/>
+    <p:sldId id="286" r:id="rId20"/>
+    <p:sldId id="287" r:id="rId21"/>
+    <p:sldId id="288" r:id="rId22"/>
+    <p:sldId id="289" r:id="rId23"/>
+    <p:sldId id="290" r:id="rId24"/>
+    <p:sldId id="292" r:id="rId25"/>
+    <p:sldId id="293" r:id="rId26"/>
+    <p:sldId id="294" r:id="rId27"/>
+    <p:sldId id="295" r:id="rId28"/>
+    <p:sldId id="296" r:id="rId29"/>
+    <p:sldId id="297" r:id="rId30"/>
+    <p:sldId id="298" r:id="rId31"/>
+    <p:sldId id="299" r:id="rId32"/>
+    <p:sldId id="300" r:id="rId33"/>
   </p:sldIdLst>
   <p:sldSz cx="12192000" cy="6858000"/>
   <p:notesSz cx="6858000" cy="9144000"/>
@@ -6280,7 +6289,7 @@
         </p:nvSpPr>
         <p:spPr>
           <a:xfrm>
-            <a:off x="1141413" y="1714499"/>
+            <a:off x="1141413" y="649786"/>
             <a:ext cx="9905998" cy="1905000"/>
           </a:xfrm>
         </p:spPr>
@@ -6311,7 +6320,14 @@
           <a:bodyPr/>
           <a:lstStyle/>
           <a:p>
-            <a:endParaRPr lang="pl-PL"/>
+            <a:pPr marL="0" indent="0">
+              <a:buNone/>
+            </a:pPr>
+            <a:r>
+              <a:rPr lang="pl-PL" dirty="0" smtClean="0"/>
+              <a:t>Przykład dla 5 punktów</a:t>
+            </a:r>
+            <a:endParaRPr lang="pl-PL" dirty="0"/>
           </a:p>
         </p:txBody>
       </p:sp>
@@ -6374,8 +6390,8 @@
         </p:blipFill>
         <p:spPr>
           <a:xfrm>
-            <a:off x="2202891" y="0"/>
-            <a:ext cx="7786218" cy="6858000"/>
+            <a:off x="3169914" y="1234435"/>
+            <a:ext cx="5852172" cy="4389129"/>
           </a:xfrm>
           <a:prstGeom prst="rect">
             <a:avLst/>
@@ -6385,7 +6401,7 @@
     </p:spTree>
     <p:extLst>
       <p:ext uri="{BB962C8B-B14F-4D97-AF65-F5344CB8AC3E}">
-        <p14:creationId xmlns:p14="http://schemas.microsoft.com/office/powerpoint/2010/main" val="1294163577"/>
+        <p14:creationId xmlns:p14="http://schemas.microsoft.com/office/powerpoint/2010/main" val="2306501319"/>
       </p:ext>
     </p:extLst>
   </p:cSld>
@@ -6441,8 +6457,8 @@
         </p:blipFill>
         <p:spPr>
           <a:xfrm>
-            <a:off x="2698279" y="0"/>
-            <a:ext cx="6795441" cy="6858000"/>
+            <a:off x="3169914" y="1234435"/>
+            <a:ext cx="5852172" cy="4389129"/>
           </a:xfrm>
           <a:prstGeom prst="rect">
             <a:avLst/>
@@ -6452,7 +6468,7 @@
     </p:spTree>
     <p:extLst>
       <p:ext uri="{BB962C8B-B14F-4D97-AF65-F5344CB8AC3E}">
-        <p14:creationId xmlns:p14="http://schemas.microsoft.com/office/powerpoint/2010/main" val="3860590819"/>
+        <p14:creationId xmlns:p14="http://schemas.microsoft.com/office/powerpoint/2010/main" val="2562133451"/>
       </p:ext>
     </p:extLst>
   </p:cSld>
@@ -6508,8 +6524,8 @@
         </p:blipFill>
         <p:spPr>
           <a:xfrm>
-            <a:off x="2857284" y="0"/>
-            <a:ext cx="6477432" cy="6858000"/>
+            <a:off x="3169914" y="1234435"/>
+            <a:ext cx="5852172" cy="4389129"/>
           </a:xfrm>
           <a:prstGeom prst="rect">
             <a:avLst/>
@@ -6519,7 +6535,7 @@
     </p:spTree>
     <p:extLst>
       <p:ext uri="{BB962C8B-B14F-4D97-AF65-F5344CB8AC3E}">
-        <p14:creationId xmlns:p14="http://schemas.microsoft.com/office/powerpoint/2010/main" val="3917263119"/>
+        <p14:creationId xmlns:p14="http://schemas.microsoft.com/office/powerpoint/2010/main" val="555079155"/>
       </p:ext>
     </p:extLst>
   </p:cSld>
@@ -6575,8 +6591,8 @@
         </p:blipFill>
         <p:spPr>
           <a:xfrm>
-            <a:off x="2791348" y="0"/>
-            <a:ext cx="6609303" cy="6858000"/>
+            <a:off x="3169914" y="1234435"/>
+            <a:ext cx="5852172" cy="4389129"/>
           </a:xfrm>
           <a:prstGeom prst="rect">
             <a:avLst/>
@@ -6586,7 +6602,7 @@
     </p:spTree>
     <p:extLst>
       <p:ext uri="{BB962C8B-B14F-4D97-AF65-F5344CB8AC3E}">
-        <p14:creationId xmlns:p14="http://schemas.microsoft.com/office/powerpoint/2010/main" val="761548368"/>
+        <p14:creationId xmlns:p14="http://schemas.microsoft.com/office/powerpoint/2010/main" val="3256706201"/>
       </p:ext>
     </p:extLst>
   </p:cSld>
@@ -6642,8 +6658,8 @@
         </p:blipFill>
         <p:spPr>
           <a:xfrm>
-            <a:off x="2807036" y="0"/>
-            <a:ext cx="6577927" cy="6858000"/>
+            <a:off x="3169914" y="1234435"/>
+            <a:ext cx="5852172" cy="4389129"/>
           </a:xfrm>
           <a:prstGeom prst="rect">
             <a:avLst/>
@@ -6653,7 +6669,7 @@
     </p:spTree>
     <p:extLst>
       <p:ext uri="{BB962C8B-B14F-4D97-AF65-F5344CB8AC3E}">
-        <p14:creationId xmlns:p14="http://schemas.microsoft.com/office/powerpoint/2010/main" val="1810274931"/>
+        <p14:creationId xmlns:p14="http://schemas.microsoft.com/office/powerpoint/2010/main" val="390912611"/>
       </p:ext>
     </p:extLst>
   </p:cSld>
@@ -6709,8 +6725,8 @@
         </p:blipFill>
         <p:spPr>
           <a:xfrm>
-            <a:off x="2873989" y="0"/>
-            <a:ext cx="6444021" cy="6858000"/>
+            <a:off x="3169914" y="1234435"/>
+            <a:ext cx="5852172" cy="4389129"/>
           </a:xfrm>
           <a:prstGeom prst="rect">
             <a:avLst/>
@@ -6720,7 +6736,7 @@
     </p:spTree>
     <p:extLst>
       <p:ext uri="{BB962C8B-B14F-4D97-AF65-F5344CB8AC3E}">
-        <p14:creationId xmlns:p14="http://schemas.microsoft.com/office/powerpoint/2010/main" val="3682564647"/>
+        <p14:creationId xmlns:p14="http://schemas.microsoft.com/office/powerpoint/2010/main" val="1969880779"/>
       </p:ext>
     </p:extLst>
   </p:cSld>
@@ -6776,8 +6792,8 @@
         </p:blipFill>
         <p:spPr>
           <a:xfrm>
-            <a:off x="2682729" y="0"/>
-            <a:ext cx="6826542" cy="6858000"/>
+            <a:off x="3169914" y="1234435"/>
+            <a:ext cx="5852172" cy="4389129"/>
           </a:xfrm>
           <a:prstGeom prst="rect">
             <a:avLst/>
@@ -6787,7 +6803,7 @@
     </p:spTree>
     <p:extLst>
       <p:ext uri="{BB962C8B-B14F-4D97-AF65-F5344CB8AC3E}">
-        <p14:creationId xmlns:p14="http://schemas.microsoft.com/office/powerpoint/2010/main" val="3924593498"/>
+        <p14:creationId xmlns:p14="http://schemas.microsoft.com/office/powerpoint/2010/main" val="2491328974"/>
       </p:ext>
     </p:extLst>
   </p:cSld>
@@ -6993,8 +7009,8 @@
         </p:blipFill>
         <p:spPr>
           <a:xfrm>
-            <a:off x="2708632" y="0"/>
-            <a:ext cx="6774736" cy="6858000"/>
+            <a:off x="3169914" y="1234435"/>
+            <a:ext cx="5852172" cy="4389129"/>
           </a:xfrm>
           <a:prstGeom prst="rect">
             <a:avLst/>
@@ -7004,7 +7020,7 @@
     </p:spTree>
     <p:extLst>
       <p:ext uri="{BB962C8B-B14F-4D97-AF65-F5344CB8AC3E}">
-        <p14:creationId xmlns:p14="http://schemas.microsoft.com/office/powerpoint/2010/main" val="1835532575"/>
+        <p14:creationId xmlns:p14="http://schemas.microsoft.com/office/powerpoint/2010/main" val="1336527788"/>
       </p:ext>
     </p:extLst>
   </p:cSld>
@@ -7060,8 +7076,8 @@
         </p:blipFill>
         <p:spPr>
           <a:xfrm>
-            <a:off x="2789464" y="0"/>
-            <a:ext cx="6613072" cy="6858000"/>
+            <a:off x="3169914" y="1234435"/>
+            <a:ext cx="5852172" cy="4389129"/>
           </a:xfrm>
           <a:prstGeom prst="rect">
             <a:avLst/>
@@ -7071,7 +7087,7 @@
     </p:spTree>
     <p:extLst>
       <p:ext uri="{BB962C8B-B14F-4D97-AF65-F5344CB8AC3E}">
-        <p14:creationId xmlns:p14="http://schemas.microsoft.com/office/powerpoint/2010/main" val="2010593706"/>
+        <p14:creationId xmlns:p14="http://schemas.microsoft.com/office/powerpoint/2010/main" val="3849874146"/>
       </p:ext>
     </p:extLst>
   </p:cSld>
@@ -7127,8 +7143,8 @@
         </p:blipFill>
         <p:spPr>
           <a:xfrm>
-            <a:off x="2717598" y="0"/>
-            <a:ext cx="6756804" cy="6858000"/>
+            <a:off x="3169914" y="1234435"/>
+            <a:ext cx="5852172" cy="4389129"/>
           </a:xfrm>
           <a:prstGeom prst="rect">
             <a:avLst/>
@@ -7138,7 +7154,7 @@
     </p:spTree>
     <p:extLst>
       <p:ext uri="{BB962C8B-B14F-4D97-AF65-F5344CB8AC3E}">
-        <p14:creationId xmlns:p14="http://schemas.microsoft.com/office/powerpoint/2010/main" val="1587173470"/>
+        <p14:creationId xmlns:p14="http://schemas.microsoft.com/office/powerpoint/2010/main" val="2809270488"/>
       </p:ext>
     </p:extLst>
   </p:cSld>
@@ -7194,8 +7210,8 @@
         </p:blipFill>
         <p:spPr>
           <a:xfrm>
-            <a:off x="2798143" y="0"/>
-            <a:ext cx="6595714" cy="6858000"/>
+            <a:off x="3169914" y="1234435"/>
+            <a:ext cx="5852172" cy="4389129"/>
           </a:xfrm>
           <a:prstGeom prst="rect">
             <a:avLst/>
@@ -7205,7 +7221,7 @@
     </p:spTree>
     <p:extLst>
       <p:ext uri="{BB962C8B-B14F-4D97-AF65-F5344CB8AC3E}">
-        <p14:creationId xmlns:p14="http://schemas.microsoft.com/office/powerpoint/2010/main" val="3424371943"/>
+        <p14:creationId xmlns:p14="http://schemas.microsoft.com/office/powerpoint/2010/main" val="841541526"/>
       </p:ext>
     </p:extLst>
   </p:cSld>
@@ -7219,6 +7235,232 @@
       </p:par>
     </p:tnLst>
   </p:timing>
+</p:sld>
+</file>
+
+<file path=ppt/slides/slide24.xml><?xml version="1.0" encoding="utf-8"?>
+<p:sld xmlns:a="http://schemas.openxmlformats.org/drawingml/2006/main" xmlns:r="http://schemas.openxmlformats.org/officeDocument/2006/relationships" xmlns:p="http://schemas.openxmlformats.org/presentationml/2006/main">
+  <p:cSld>
+    <p:spTree>
+      <p:nvGrpSpPr>
+        <p:cNvPr id="1" name=""/>
+        <p:cNvGrpSpPr/>
+        <p:nvPr/>
+      </p:nvGrpSpPr>
+      <p:grpSpPr>
+        <a:xfrm>
+          <a:off x="0" y="0"/>
+          <a:ext cx="0" cy="0"/>
+          <a:chOff x="0" y="0"/>
+          <a:chExt cx="0" cy="0"/>
+        </a:xfrm>
+      </p:grpSpPr>
+      <p:sp>
+        <p:nvSpPr>
+          <p:cNvPr id="2" name="Tytuł 1"/>
+          <p:cNvSpPr>
+            <a:spLocks noGrp="1"/>
+          </p:cNvSpPr>
+          <p:nvPr>
+            <p:ph type="title"/>
+          </p:nvPr>
+        </p:nvSpPr>
+        <p:spPr/>
+        <p:txBody>
+          <a:bodyPr/>
+          <a:lstStyle/>
+          <a:p>
+            <a:r>
+              <a:rPr lang="pl-PL" dirty="0"/>
+              <a:t>Przykłady </a:t>
+            </a:r>
+            <a:r>
+              <a:rPr lang="pl-PL" dirty="0" smtClean="0"/>
+              <a:t>działania</a:t>
+            </a:r>
+            <a:endParaRPr lang="pl-PL" dirty="0"/>
+          </a:p>
+        </p:txBody>
+      </p:sp>
+      <p:sp>
+        <p:nvSpPr>
+          <p:cNvPr id="3" name="Symbol zastępczy zawartości 2"/>
+          <p:cNvSpPr>
+            <a:spLocks noGrp="1"/>
+          </p:cNvSpPr>
+          <p:nvPr>
+            <p:ph idx="1"/>
+          </p:nvPr>
+        </p:nvSpPr>
+        <p:spPr/>
+        <p:txBody>
+          <a:bodyPr/>
+          <a:lstStyle/>
+          <a:p>
+            <a:endParaRPr lang="pl-PL"/>
+          </a:p>
+        </p:txBody>
+      </p:sp>
+    </p:spTree>
+    <p:extLst>
+      <p:ext uri="{BB962C8B-B14F-4D97-AF65-F5344CB8AC3E}">
+        <p14:creationId xmlns:p14="http://schemas.microsoft.com/office/powerpoint/2010/main" val="1576887964"/>
+      </p:ext>
+    </p:extLst>
+  </p:cSld>
+  <p:clrMapOvr>
+    <a:masterClrMapping/>
+  </p:clrMapOvr>
+</p:sld>
+</file>
+
+<file path=ppt/slides/slide25.xml><?xml version="1.0" encoding="utf-8"?>
+<p:sld xmlns:a="http://schemas.openxmlformats.org/drawingml/2006/main" xmlns:r="http://schemas.openxmlformats.org/officeDocument/2006/relationships" xmlns:p="http://schemas.openxmlformats.org/presentationml/2006/main">
+  <p:cSld>
+    <p:spTree>
+      <p:nvGrpSpPr>
+        <p:cNvPr id="1" name=""/>
+        <p:cNvGrpSpPr/>
+        <p:nvPr/>
+      </p:nvGrpSpPr>
+      <p:grpSpPr>
+        <a:xfrm>
+          <a:off x="0" y="0"/>
+          <a:ext cx="0" cy="0"/>
+          <a:chOff x="0" y="0"/>
+          <a:chExt cx="0" cy="0"/>
+        </a:xfrm>
+      </p:grpSpPr>
+    </p:spTree>
+    <p:extLst>
+      <p:ext uri="{BB962C8B-B14F-4D97-AF65-F5344CB8AC3E}">
+        <p14:creationId xmlns:p14="http://schemas.microsoft.com/office/powerpoint/2010/main" val="3237128455"/>
+      </p:ext>
+    </p:extLst>
+  </p:cSld>
+  <p:clrMapOvr>
+    <a:masterClrMapping/>
+  </p:clrMapOvr>
+</p:sld>
+</file>
+
+<file path=ppt/slides/slide26.xml><?xml version="1.0" encoding="utf-8"?>
+<p:sld xmlns:a="http://schemas.openxmlformats.org/drawingml/2006/main" xmlns:r="http://schemas.openxmlformats.org/officeDocument/2006/relationships" xmlns:p="http://schemas.openxmlformats.org/presentationml/2006/main">
+  <p:cSld>
+    <p:spTree>
+      <p:nvGrpSpPr>
+        <p:cNvPr id="1" name=""/>
+        <p:cNvGrpSpPr/>
+        <p:nvPr/>
+      </p:nvGrpSpPr>
+      <p:grpSpPr>
+        <a:xfrm>
+          <a:off x="0" y="0"/>
+          <a:ext cx="0" cy="0"/>
+          <a:chOff x="0" y="0"/>
+          <a:chExt cx="0" cy="0"/>
+        </a:xfrm>
+      </p:grpSpPr>
+    </p:spTree>
+    <p:extLst>
+      <p:ext uri="{BB962C8B-B14F-4D97-AF65-F5344CB8AC3E}">
+        <p14:creationId xmlns:p14="http://schemas.microsoft.com/office/powerpoint/2010/main" val="345040036"/>
+      </p:ext>
+    </p:extLst>
+  </p:cSld>
+  <p:clrMapOvr>
+    <a:masterClrMapping/>
+  </p:clrMapOvr>
+</p:sld>
+</file>
+
+<file path=ppt/slides/slide27.xml><?xml version="1.0" encoding="utf-8"?>
+<p:sld xmlns:a="http://schemas.openxmlformats.org/drawingml/2006/main" xmlns:r="http://schemas.openxmlformats.org/officeDocument/2006/relationships" xmlns:p="http://schemas.openxmlformats.org/presentationml/2006/main">
+  <p:cSld>
+    <p:spTree>
+      <p:nvGrpSpPr>
+        <p:cNvPr id="1" name=""/>
+        <p:cNvGrpSpPr/>
+        <p:nvPr/>
+      </p:nvGrpSpPr>
+      <p:grpSpPr>
+        <a:xfrm>
+          <a:off x="0" y="0"/>
+          <a:ext cx="0" cy="0"/>
+          <a:chOff x="0" y="0"/>
+          <a:chExt cx="0" cy="0"/>
+        </a:xfrm>
+      </p:grpSpPr>
+    </p:spTree>
+    <p:extLst>
+      <p:ext uri="{BB962C8B-B14F-4D97-AF65-F5344CB8AC3E}">
+        <p14:creationId xmlns:p14="http://schemas.microsoft.com/office/powerpoint/2010/main" val="189557941"/>
+      </p:ext>
+    </p:extLst>
+  </p:cSld>
+  <p:clrMapOvr>
+    <a:masterClrMapping/>
+  </p:clrMapOvr>
+</p:sld>
+</file>
+
+<file path=ppt/slides/slide28.xml><?xml version="1.0" encoding="utf-8"?>
+<p:sld xmlns:a="http://schemas.openxmlformats.org/drawingml/2006/main" xmlns:r="http://schemas.openxmlformats.org/officeDocument/2006/relationships" xmlns:p="http://schemas.openxmlformats.org/presentationml/2006/main">
+  <p:cSld>
+    <p:spTree>
+      <p:nvGrpSpPr>
+        <p:cNvPr id="1" name=""/>
+        <p:cNvGrpSpPr/>
+        <p:nvPr/>
+      </p:nvGrpSpPr>
+      <p:grpSpPr>
+        <a:xfrm>
+          <a:off x="0" y="0"/>
+          <a:ext cx="0" cy="0"/>
+          <a:chOff x="0" y="0"/>
+          <a:chExt cx="0" cy="0"/>
+        </a:xfrm>
+      </p:grpSpPr>
+    </p:spTree>
+    <p:extLst>
+      <p:ext uri="{BB962C8B-B14F-4D97-AF65-F5344CB8AC3E}">
+        <p14:creationId xmlns:p14="http://schemas.microsoft.com/office/powerpoint/2010/main" val="3761071114"/>
+      </p:ext>
+    </p:extLst>
+  </p:cSld>
+  <p:clrMapOvr>
+    <a:masterClrMapping/>
+  </p:clrMapOvr>
+</p:sld>
+</file>
+
+<file path=ppt/slides/slide29.xml><?xml version="1.0" encoding="utf-8"?>
+<p:sld xmlns:a="http://schemas.openxmlformats.org/drawingml/2006/main" xmlns:r="http://schemas.openxmlformats.org/officeDocument/2006/relationships" xmlns:p="http://schemas.openxmlformats.org/presentationml/2006/main">
+  <p:cSld>
+    <p:spTree>
+      <p:nvGrpSpPr>
+        <p:cNvPr id="1" name=""/>
+        <p:cNvGrpSpPr/>
+        <p:nvPr/>
+      </p:nvGrpSpPr>
+      <p:grpSpPr>
+        <a:xfrm>
+          <a:off x="0" y="0"/>
+          <a:ext cx="0" cy="0"/>
+          <a:chOff x="0" y="0"/>
+          <a:chExt cx="0" cy="0"/>
+        </a:xfrm>
+      </p:grpSpPr>
+    </p:spTree>
+    <p:extLst>
+      <p:ext uri="{BB962C8B-B14F-4D97-AF65-F5344CB8AC3E}">
+        <p14:creationId xmlns:p14="http://schemas.microsoft.com/office/powerpoint/2010/main" val="2412252336"/>
+      </p:ext>
+    </p:extLst>
+  </p:cSld>
+  <p:clrMapOvr>
+    <a:masterClrMapping/>
+  </p:clrMapOvr>
 </p:sld>
 </file>
 
@@ -7338,6 +7580,96 @@
       </p:par>
     </p:tnLst>
   </p:timing>
+</p:sld>
+</file>
+
+<file path=ppt/slides/slide30.xml><?xml version="1.0" encoding="utf-8"?>
+<p:sld xmlns:a="http://schemas.openxmlformats.org/drawingml/2006/main" xmlns:r="http://schemas.openxmlformats.org/officeDocument/2006/relationships" xmlns:p="http://schemas.openxmlformats.org/presentationml/2006/main">
+  <p:cSld>
+    <p:spTree>
+      <p:nvGrpSpPr>
+        <p:cNvPr id="1" name=""/>
+        <p:cNvGrpSpPr/>
+        <p:nvPr/>
+      </p:nvGrpSpPr>
+      <p:grpSpPr>
+        <a:xfrm>
+          <a:off x="0" y="0"/>
+          <a:ext cx="0" cy="0"/>
+          <a:chOff x="0" y="0"/>
+          <a:chExt cx="0" cy="0"/>
+        </a:xfrm>
+      </p:grpSpPr>
+    </p:spTree>
+    <p:extLst>
+      <p:ext uri="{BB962C8B-B14F-4D97-AF65-F5344CB8AC3E}">
+        <p14:creationId xmlns:p14="http://schemas.microsoft.com/office/powerpoint/2010/main" val="2435193175"/>
+      </p:ext>
+    </p:extLst>
+  </p:cSld>
+  <p:clrMapOvr>
+    <a:masterClrMapping/>
+  </p:clrMapOvr>
+</p:sld>
+</file>
+
+<file path=ppt/slides/slide31.xml><?xml version="1.0" encoding="utf-8"?>
+<p:sld xmlns:a="http://schemas.openxmlformats.org/drawingml/2006/main" xmlns:r="http://schemas.openxmlformats.org/officeDocument/2006/relationships" xmlns:p="http://schemas.openxmlformats.org/presentationml/2006/main">
+  <p:cSld>
+    <p:spTree>
+      <p:nvGrpSpPr>
+        <p:cNvPr id="1" name=""/>
+        <p:cNvGrpSpPr/>
+        <p:nvPr/>
+      </p:nvGrpSpPr>
+      <p:grpSpPr>
+        <a:xfrm>
+          <a:off x="0" y="0"/>
+          <a:ext cx="0" cy="0"/>
+          <a:chOff x="0" y="0"/>
+          <a:chExt cx="0" cy="0"/>
+        </a:xfrm>
+      </p:grpSpPr>
+    </p:spTree>
+    <p:extLst>
+      <p:ext uri="{BB962C8B-B14F-4D97-AF65-F5344CB8AC3E}">
+        <p14:creationId xmlns:p14="http://schemas.microsoft.com/office/powerpoint/2010/main" val="2718668035"/>
+      </p:ext>
+    </p:extLst>
+  </p:cSld>
+  <p:clrMapOvr>
+    <a:masterClrMapping/>
+  </p:clrMapOvr>
+</p:sld>
+</file>
+
+<file path=ppt/slides/slide32.xml><?xml version="1.0" encoding="utf-8"?>
+<p:sld xmlns:a="http://schemas.openxmlformats.org/drawingml/2006/main" xmlns:r="http://schemas.openxmlformats.org/officeDocument/2006/relationships" xmlns:p="http://schemas.openxmlformats.org/presentationml/2006/main">
+  <p:cSld>
+    <p:spTree>
+      <p:nvGrpSpPr>
+        <p:cNvPr id="1" name=""/>
+        <p:cNvGrpSpPr/>
+        <p:nvPr/>
+      </p:nvGrpSpPr>
+      <p:grpSpPr>
+        <a:xfrm>
+          <a:off x="0" y="0"/>
+          <a:ext cx="0" cy="0"/>
+          <a:chOff x="0" y="0"/>
+          <a:chExt cx="0" cy="0"/>
+        </a:xfrm>
+      </p:grpSpPr>
+    </p:spTree>
+    <p:extLst>
+      <p:ext uri="{BB962C8B-B14F-4D97-AF65-F5344CB8AC3E}">
+        <p14:creationId xmlns:p14="http://schemas.microsoft.com/office/powerpoint/2010/main" val="2740643643"/>
+      </p:ext>
+    </p:extLst>
+  </p:cSld>
+  <p:clrMapOvr>
+    <a:masterClrMapping/>
+  </p:clrMapOvr>
 </p:sld>
 </file>
 

--- a/VoronoiPrezentacja.pptx
+++ b/VoronoiPrezentacja.pptx
@@ -7331,6 +7331,36 @@
           <a:chExt cx="0" cy="0"/>
         </a:xfrm>
       </p:grpSpPr>
+      <p:pic>
+        <p:nvPicPr>
+          <p:cNvPr id="2" name="Obraz 1"/>
+          <p:cNvPicPr>
+            <a:picLocks noChangeAspect="1"/>
+          </p:cNvPicPr>
+          <p:nvPr/>
+        </p:nvPicPr>
+        <p:blipFill>
+          <a:blip r:embed="rId2">
+            <a:extLst>
+              <a:ext uri="{28A0092B-C50C-407E-A947-70E740481C1C}">
+                <a14:useLocalDpi xmlns:a14="http://schemas.microsoft.com/office/drawing/2010/main" val="0"/>
+              </a:ext>
+            </a:extLst>
+          </a:blip>
+          <a:stretch>
+            <a:fillRect/>
+          </a:stretch>
+        </p:blipFill>
+        <p:spPr>
+          <a:xfrm>
+            <a:off x="3169914" y="1234435"/>
+            <a:ext cx="5852172" cy="4389129"/>
+          </a:xfrm>
+          <a:prstGeom prst="rect">
+            <a:avLst/>
+          </a:prstGeom>
+        </p:spPr>
+      </p:pic>
     </p:spTree>
     <p:extLst>
       <p:ext uri="{BB962C8B-B14F-4D97-AF65-F5344CB8AC3E}">
@@ -7361,6 +7391,36 @@
           <a:chExt cx="0" cy="0"/>
         </a:xfrm>
       </p:grpSpPr>
+      <p:pic>
+        <p:nvPicPr>
+          <p:cNvPr id="2" name="Obraz 1"/>
+          <p:cNvPicPr>
+            <a:picLocks noChangeAspect="1"/>
+          </p:cNvPicPr>
+          <p:nvPr/>
+        </p:nvPicPr>
+        <p:blipFill>
+          <a:blip r:embed="rId2">
+            <a:extLst>
+              <a:ext uri="{28A0092B-C50C-407E-A947-70E740481C1C}">
+                <a14:useLocalDpi xmlns:a14="http://schemas.microsoft.com/office/drawing/2010/main" val="0"/>
+              </a:ext>
+            </a:extLst>
+          </a:blip>
+          <a:stretch>
+            <a:fillRect/>
+          </a:stretch>
+        </p:blipFill>
+        <p:spPr>
+          <a:xfrm>
+            <a:off x="3169914" y="1234435"/>
+            <a:ext cx="5852172" cy="4389129"/>
+          </a:xfrm>
+          <a:prstGeom prst="rect">
+            <a:avLst/>
+          </a:prstGeom>
+        </p:spPr>
+      </p:pic>
     </p:spTree>
     <p:extLst>
       <p:ext uri="{BB962C8B-B14F-4D97-AF65-F5344CB8AC3E}">
@@ -7391,6 +7451,36 @@
           <a:chExt cx="0" cy="0"/>
         </a:xfrm>
       </p:grpSpPr>
+      <p:pic>
+        <p:nvPicPr>
+          <p:cNvPr id="2" name="Obraz 1"/>
+          <p:cNvPicPr>
+            <a:picLocks noChangeAspect="1"/>
+          </p:cNvPicPr>
+          <p:nvPr/>
+        </p:nvPicPr>
+        <p:blipFill>
+          <a:blip r:embed="rId2">
+            <a:extLst>
+              <a:ext uri="{28A0092B-C50C-407E-A947-70E740481C1C}">
+                <a14:useLocalDpi xmlns:a14="http://schemas.microsoft.com/office/drawing/2010/main" val="0"/>
+              </a:ext>
+            </a:extLst>
+          </a:blip>
+          <a:stretch>
+            <a:fillRect/>
+          </a:stretch>
+        </p:blipFill>
+        <p:spPr>
+          <a:xfrm>
+            <a:off x="3169914" y="1234435"/>
+            <a:ext cx="5852172" cy="4389129"/>
+          </a:xfrm>
+          <a:prstGeom prst="rect">
+            <a:avLst/>
+          </a:prstGeom>
+        </p:spPr>
+      </p:pic>
     </p:spTree>
     <p:extLst>
       <p:ext uri="{BB962C8B-B14F-4D97-AF65-F5344CB8AC3E}">
@@ -7421,6 +7511,36 @@
           <a:chExt cx="0" cy="0"/>
         </a:xfrm>
       </p:grpSpPr>
+      <p:pic>
+        <p:nvPicPr>
+          <p:cNvPr id="2" name="Obraz 1"/>
+          <p:cNvPicPr>
+            <a:picLocks noChangeAspect="1"/>
+          </p:cNvPicPr>
+          <p:nvPr/>
+        </p:nvPicPr>
+        <p:blipFill>
+          <a:blip r:embed="rId2">
+            <a:extLst>
+              <a:ext uri="{28A0092B-C50C-407E-A947-70E740481C1C}">
+                <a14:useLocalDpi xmlns:a14="http://schemas.microsoft.com/office/drawing/2010/main" val="0"/>
+              </a:ext>
+            </a:extLst>
+          </a:blip>
+          <a:stretch>
+            <a:fillRect/>
+          </a:stretch>
+        </p:blipFill>
+        <p:spPr>
+          <a:xfrm>
+            <a:off x="3169914" y="1234435"/>
+            <a:ext cx="5852172" cy="4389129"/>
+          </a:xfrm>
+          <a:prstGeom prst="rect">
+            <a:avLst/>
+          </a:prstGeom>
+        </p:spPr>
+      </p:pic>
     </p:spTree>
     <p:extLst>
       <p:ext uri="{BB962C8B-B14F-4D97-AF65-F5344CB8AC3E}">
@@ -7451,6 +7571,36 @@
           <a:chExt cx="0" cy="0"/>
         </a:xfrm>
       </p:grpSpPr>
+      <p:pic>
+        <p:nvPicPr>
+          <p:cNvPr id="2" name="Obraz 1"/>
+          <p:cNvPicPr>
+            <a:picLocks noChangeAspect="1"/>
+          </p:cNvPicPr>
+          <p:nvPr/>
+        </p:nvPicPr>
+        <p:blipFill>
+          <a:blip r:embed="rId2">
+            <a:extLst>
+              <a:ext uri="{28A0092B-C50C-407E-A947-70E740481C1C}">
+                <a14:useLocalDpi xmlns:a14="http://schemas.microsoft.com/office/drawing/2010/main" val="0"/>
+              </a:ext>
+            </a:extLst>
+          </a:blip>
+          <a:stretch>
+            <a:fillRect/>
+          </a:stretch>
+        </p:blipFill>
+        <p:spPr>
+          <a:xfrm>
+            <a:off x="3169914" y="1234435"/>
+            <a:ext cx="5852172" cy="4389129"/>
+          </a:xfrm>
+          <a:prstGeom prst="rect">
+            <a:avLst/>
+          </a:prstGeom>
+        </p:spPr>
+      </p:pic>
     </p:spTree>
     <p:extLst>
       <p:ext uri="{BB962C8B-B14F-4D97-AF65-F5344CB8AC3E}">
@@ -7600,6 +7750,36 @@
           <a:chExt cx="0" cy="0"/>
         </a:xfrm>
       </p:grpSpPr>
+      <p:pic>
+        <p:nvPicPr>
+          <p:cNvPr id="2" name="Obraz 1"/>
+          <p:cNvPicPr>
+            <a:picLocks noChangeAspect="1"/>
+          </p:cNvPicPr>
+          <p:nvPr/>
+        </p:nvPicPr>
+        <p:blipFill>
+          <a:blip r:embed="rId2">
+            <a:extLst>
+              <a:ext uri="{28A0092B-C50C-407E-A947-70E740481C1C}">
+                <a14:useLocalDpi xmlns:a14="http://schemas.microsoft.com/office/drawing/2010/main" val="0"/>
+              </a:ext>
+            </a:extLst>
+          </a:blip>
+          <a:stretch>
+            <a:fillRect/>
+          </a:stretch>
+        </p:blipFill>
+        <p:spPr>
+          <a:xfrm>
+            <a:off x="3169914" y="1234435"/>
+            <a:ext cx="5852172" cy="4389129"/>
+          </a:xfrm>
+          <a:prstGeom prst="rect">
+            <a:avLst/>
+          </a:prstGeom>
+        </p:spPr>
+      </p:pic>
     </p:spTree>
     <p:extLst>
       <p:ext uri="{BB962C8B-B14F-4D97-AF65-F5344CB8AC3E}">
@@ -7630,6 +7810,36 @@
           <a:chExt cx="0" cy="0"/>
         </a:xfrm>
       </p:grpSpPr>
+      <p:pic>
+        <p:nvPicPr>
+          <p:cNvPr id="2" name="Obraz 1"/>
+          <p:cNvPicPr>
+            <a:picLocks noChangeAspect="1"/>
+          </p:cNvPicPr>
+          <p:nvPr/>
+        </p:nvPicPr>
+        <p:blipFill>
+          <a:blip r:embed="rId2">
+            <a:extLst>
+              <a:ext uri="{28A0092B-C50C-407E-A947-70E740481C1C}">
+                <a14:useLocalDpi xmlns:a14="http://schemas.microsoft.com/office/drawing/2010/main" val="0"/>
+              </a:ext>
+            </a:extLst>
+          </a:blip>
+          <a:stretch>
+            <a:fillRect/>
+          </a:stretch>
+        </p:blipFill>
+        <p:spPr>
+          <a:xfrm>
+            <a:off x="3169914" y="1234435"/>
+            <a:ext cx="5852172" cy="4389129"/>
+          </a:xfrm>
+          <a:prstGeom prst="rect">
+            <a:avLst/>
+          </a:prstGeom>
+        </p:spPr>
+      </p:pic>
     </p:spTree>
     <p:extLst>
       <p:ext uri="{BB962C8B-B14F-4D97-AF65-F5344CB8AC3E}">
@@ -7660,6 +7870,36 @@
           <a:chExt cx="0" cy="0"/>
         </a:xfrm>
       </p:grpSpPr>
+      <p:pic>
+        <p:nvPicPr>
+          <p:cNvPr id="2" name="Obraz 1"/>
+          <p:cNvPicPr>
+            <a:picLocks noChangeAspect="1"/>
+          </p:cNvPicPr>
+          <p:nvPr/>
+        </p:nvPicPr>
+        <p:blipFill>
+          <a:blip r:embed="rId2">
+            <a:extLst>
+              <a:ext uri="{28A0092B-C50C-407E-A947-70E740481C1C}">
+                <a14:useLocalDpi xmlns:a14="http://schemas.microsoft.com/office/drawing/2010/main" val="0"/>
+              </a:ext>
+            </a:extLst>
+          </a:blip>
+          <a:stretch>
+            <a:fillRect/>
+          </a:stretch>
+        </p:blipFill>
+        <p:spPr>
+          <a:xfrm>
+            <a:off x="3169914" y="1234435"/>
+            <a:ext cx="5852172" cy="4389129"/>
+          </a:xfrm>
+          <a:prstGeom prst="rect">
+            <a:avLst/>
+          </a:prstGeom>
+        </p:spPr>
+      </p:pic>
     </p:spTree>
     <p:extLst>
       <p:ext uri="{BB962C8B-B14F-4D97-AF65-F5344CB8AC3E}">
